--- a/Slides/On-Campus/13_02_Encryption_MoreRecursion.pptx
+++ b/Slides/On-Campus/13_02_Encryption_MoreRecursion.pptx
@@ -5,10 +5,10 @@
     <p:sldMasterId id="2147483648" r:id="rId1"/>
   </p:sldMasterIdLst>
   <p:notesMasterIdLst>
-    <p:notesMasterId r:id="rId16"/>
+    <p:notesMasterId r:id="rId17"/>
   </p:notesMasterIdLst>
   <p:handoutMasterIdLst>
-    <p:handoutMasterId r:id="rId17"/>
+    <p:handoutMasterId r:id="rId18"/>
   </p:handoutMasterIdLst>
   <p:sldIdLst>
     <p:sldId id="262" r:id="rId2"/>
@@ -19,12 +19,13 @@
     <p:sldId id="267" r:id="rId7"/>
     <p:sldId id="268" r:id="rId8"/>
     <p:sldId id="280" r:id="rId9"/>
-    <p:sldId id="256" r:id="rId10"/>
-    <p:sldId id="257" r:id="rId11"/>
-    <p:sldId id="258" r:id="rId12"/>
-    <p:sldId id="259" r:id="rId13"/>
-    <p:sldId id="260" r:id="rId14"/>
-    <p:sldId id="261" r:id="rId15"/>
+    <p:sldId id="281" r:id="rId10"/>
+    <p:sldId id="259" r:id="rId11"/>
+    <p:sldId id="260" r:id="rId12"/>
+    <p:sldId id="256" r:id="rId13"/>
+    <p:sldId id="257" r:id="rId14"/>
+    <p:sldId id="258" r:id="rId15"/>
+    <p:sldId id="261" r:id="rId16"/>
   </p:sldIdLst>
   <p:sldSz cx="13817600" cy="7772400"/>
   <p:notesSz cx="6858000" cy="9144000"/>
@@ -227,7 +228,7 @@
           <a:p>
             <a:fld id="{4D7E51A5-B478-1E40-8CBB-0DAA8831E99D}" type="datetimeFigureOut">
               <a:rPr lang="en-US" smtClean="0"/>
-              <a:t>11/15/2021</a:t>
+              <a:t>11/18/2021</a:t>
             </a:fld>
             <a:endParaRPr lang="en-US"/>
           </a:p>
@@ -392,7 +393,7 @@
           <a:p>
             <a:fld id="{D0ED587F-861E-6740-9643-E3DDAE89B8D6}" type="datetimeFigureOut">
               <a:rPr lang="en-US" smtClean="0"/>
-              <a:t>11/15/2021</a:t>
+              <a:t>11/18/2021</a:t>
             </a:fld>
             <a:endParaRPr lang="en-US"/>
           </a:p>
@@ -8872,7 +8873,7 @@
 </file>
 
 <file path=ppt/slides/slide10.xml><?xml version="1.0" encoding="utf-8"?>
-<p:sld xmlns:a="http://schemas.openxmlformats.org/drawingml/2006/main" xmlns:r="http://schemas.openxmlformats.org/officeDocument/2006/relationships" xmlns:p="http://schemas.openxmlformats.org/presentationml/2006/main" show="0">
+<p:sld xmlns:a="http://schemas.openxmlformats.org/drawingml/2006/main" xmlns:r="http://schemas.openxmlformats.org/officeDocument/2006/relationships" xmlns:p="http://schemas.openxmlformats.org/presentationml/2006/main">
   <p:cSld>
     <p:spTree>
       <p:nvGrpSpPr>
@@ -8890,10 +8891,10 @@
       </p:grpSpPr>
       <p:sp>
         <p:nvSpPr>
-          <p:cNvPr id="4" name="Title 3">
+          <p:cNvPr id="2" name="Title 1">
             <a:extLst>
               <a:ext uri="{FF2B5EF4-FFF2-40B4-BE49-F238E27FC236}">
-                <a16:creationId xmlns:a16="http://schemas.microsoft.com/office/drawing/2014/main" id="{1693C976-7EB3-F043-AAD4-7668F926D644}"/>
+                <a16:creationId xmlns:a16="http://schemas.microsoft.com/office/drawing/2014/main" id="{954E8C63-79A0-6947-8A93-949E507396FA}"/>
               </a:ext>
             </a:extLst>
           </p:cNvPr>
@@ -8911,17 +8912,17 @@
           <a:p>
             <a:r>
               <a:rPr lang="en-US" dirty="0"/>
-              <a:t>Review</a:t>
+              <a:t>Binary Search</a:t>
             </a:r>
           </a:p>
         </p:txBody>
       </p:sp>
       <p:sp>
         <p:nvSpPr>
-          <p:cNvPr id="5" name="Text Placeholder 4">
+          <p:cNvPr id="3" name="Text Placeholder 2">
             <a:extLst>
               <a:ext uri="{FF2B5EF4-FFF2-40B4-BE49-F238E27FC236}">
-                <a16:creationId xmlns:a16="http://schemas.microsoft.com/office/drawing/2014/main" id="{B705D690-F50D-BD48-B842-6D9187481A6C}"/>
+                <a16:creationId xmlns:a16="http://schemas.microsoft.com/office/drawing/2014/main" id="{E1AFC3BE-E434-B044-8B18-916179AB11F0}"/>
               </a:ext>
             </a:extLst>
           </p:cNvPr>
@@ -8935,7 +8936,7 @@
         <p:spPr>
           <a:xfrm>
             <a:off x="628075" y="1776683"/>
-            <a:ext cx="12561453" cy="4209422"/>
+            <a:ext cx="12561453" cy="1826397"/>
           </a:xfrm>
         </p:spPr>
         <p:txBody>
@@ -8944,85 +8945,946 @@
           <a:p>
             <a:r>
               <a:rPr lang="en-US" dirty="0"/>
-              <a:t>Recursion </a:t>
+              <a:t>One of the oldest documented search methods!</a:t>
             </a:r>
           </a:p>
           <a:p>
             <a:pPr lvl="1"/>
             <a:r>
               <a:rPr lang="en-US" dirty="0"/>
-              <a:t>A way to loop via method calls</a:t>
-            </a:r>
-          </a:p>
-          <a:p>
-            <a:pPr lvl="1"/>
+              <a:t>Roman documentation for ‘address book’</a:t>
+            </a:r>
+          </a:p>
+          <a:p>
             <a:r>
               <a:rPr lang="en-US" dirty="0"/>
-              <a:t>Good at:</a:t>
-            </a:r>
-          </a:p>
-          <a:p>
-            <a:pPr lvl="2"/>
-            <a:r>
-              <a:rPr lang="en-US" dirty="0"/>
-              <a:t>building sequences </a:t>
-            </a:r>
-          </a:p>
-          <a:p>
-            <a:pPr lvl="2"/>
-            <a:r>
-              <a:rPr lang="en-US" dirty="0"/>
-              <a:t>breakdown complex iteration to simple methods</a:t>
-            </a:r>
-          </a:p>
-          <a:p>
-            <a:pPr lvl="1"/>
-            <a:r>
-              <a:rPr lang="en-US" dirty="0"/>
-              <a:t>Divide-Conquer-Glue</a:t>
-            </a:r>
-          </a:p>
-          <a:p>
-            <a:pPr lvl="2"/>
-            <a:r>
-              <a:rPr lang="en-US" dirty="0"/>
-              <a:t>Solve Base/ Simplest case first</a:t>
-            </a:r>
-          </a:p>
-          <a:p>
-            <a:pPr lvl="2"/>
-            <a:r>
-              <a:rPr lang="en-US" dirty="0"/>
-              <a:t>Build the N=2+ case next</a:t>
-            </a:r>
-          </a:p>
-          <a:p>
-            <a:pPr lvl="1"/>
-            <a:r>
-              <a:rPr lang="en-US" dirty="0"/>
-              <a:t>Tail Recursion</a:t>
-            </a:r>
-          </a:p>
-          <a:p>
-            <a:pPr lvl="2"/>
-            <a:r>
-              <a:rPr lang="en-US" dirty="0"/>
-              <a:t>Store values as part of the parameters</a:t>
-            </a:r>
-          </a:p>
-          <a:p>
-            <a:pPr lvl="2"/>
-            <a:r>
-              <a:rPr lang="en-US" dirty="0"/>
-              <a:t>Make use of default parameters to make this easier! </a:t>
-            </a:r>
+              <a:t>Assumes list is sorted (like a phone book, or routing table)</a:t>
+            </a:r>
+          </a:p>
+          <a:p>
+            <a:endParaRPr lang="en-US" dirty="0"/>
+          </a:p>
+        </p:txBody>
+      </p:sp>
+      <p:sp>
+        <p:nvSpPr>
+          <p:cNvPr id="5" name="TextBox 4">
+            <a:extLst>
+              <a:ext uri="{FF2B5EF4-FFF2-40B4-BE49-F238E27FC236}">
+                <a16:creationId xmlns:a16="http://schemas.microsoft.com/office/drawing/2014/main" id="{5CCF21B0-6D44-DE48-B3A9-C20490FDCF6D}"/>
+              </a:ext>
+            </a:extLst>
+          </p:cNvPr>
+          <p:cNvSpPr txBox="1"/>
+          <p:nvPr/>
+        </p:nvSpPr>
+        <p:spPr>
+          <a:xfrm>
+            <a:off x="628072" y="3262758"/>
+            <a:ext cx="7518400" cy="3323987"/>
+          </a:xfrm>
+          <a:prstGeom prst="rect">
+            <a:avLst/>
+          </a:prstGeom>
+          <a:noFill/>
+        </p:spPr>
+        <p:txBody>
+          <a:bodyPr wrap="square">
+            <a:spAutoFit/>
+          </a:bodyPr>
+          <a:lstStyle/>
+          <a:p>
+            <a:r>
+              <a:rPr lang="en-US" sz="1400" dirty="0">
+                <a:solidFill>
+                  <a:srgbClr val="CC7832"/>
+                </a:solidFill>
+                <a:effectLst/>
+                <a:latin typeface="Consolas" panose="020B0609020204030204" pitchFamily="49" charset="0"/>
+                <a:cs typeface="Consolas" panose="020B0609020204030204" pitchFamily="49" charset="0"/>
+              </a:rPr>
+              <a:t>def </a:t>
+            </a:r>
+            <a:r>
+              <a:rPr lang="en-US" sz="1400" dirty="0" err="1">
+                <a:solidFill>
+                  <a:srgbClr val="FFC66D"/>
+                </a:solidFill>
+                <a:effectLst/>
+                <a:latin typeface="Consolas" panose="020B0609020204030204" pitchFamily="49" charset="0"/>
+                <a:cs typeface="Consolas" panose="020B0609020204030204" pitchFamily="49" charset="0"/>
+              </a:rPr>
+              <a:t>binary_search</a:t>
+            </a:r>
+            <a:r>
+              <a:rPr lang="en-US" sz="1400" dirty="0">
+                <a:latin typeface="Consolas" panose="020B0609020204030204" pitchFamily="49" charset="0"/>
+                <a:cs typeface="Consolas" panose="020B0609020204030204" pitchFamily="49" charset="0"/>
+              </a:rPr>
+              <a:t>(</a:t>
+            </a:r>
+            <a:r>
+              <a:rPr lang="en-US" sz="1400" dirty="0" err="1">
+                <a:latin typeface="Consolas" panose="020B0609020204030204" pitchFamily="49" charset="0"/>
+                <a:cs typeface="Consolas" panose="020B0609020204030204" pitchFamily="49" charset="0"/>
+              </a:rPr>
+              <a:t>sorted_list</a:t>
+            </a:r>
+            <a:r>
+              <a:rPr lang="en-US" sz="1400" dirty="0">
+                <a:solidFill>
+                  <a:srgbClr val="CC7832"/>
+                </a:solidFill>
+                <a:effectLst/>
+                <a:latin typeface="Consolas" panose="020B0609020204030204" pitchFamily="49" charset="0"/>
+                <a:cs typeface="Consolas" panose="020B0609020204030204" pitchFamily="49" charset="0"/>
+              </a:rPr>
+              <a:t>, </a:t>
+            </a:r>
+            <a:r>
+              <a:rPr lang="en-US" sz="1400" dirty="0">
+                <a:latin typeface="Consolas" panose="020B0609020204030204" pitchFamily="49" charset="0"/>
+                <a:cs typeface="Consolas" panose="020B0609020204030204" pitchFamily="49" charset="0"/>
+              </a:rPr>
+              <a:t>value</a:t>
+            </a:r>
+            <a:r>
+              <a:rPr lang="en-US" sz="1400" dirty="0">
+                <a:solidFill>
+                  <a:srgbClr val="CC7832"/>
+                </a:solidFill>
+                <a:effectLst/>
+                <a:latin typeface="Consolas" panose="020B0609020204030204" pitchFamily="49" charset="0"/>
+                <a:cs typeface="Consolas" panose="020B0609020204030204" pitchFamily="49" charset="0"/>
+              </a:rPr>
+              <a:t>, </a:t>
+            </a:r>
+            <a:r>
+              <a:rPr lang="en-US" sz="1400" dirty="0">
+                <a:latin typeface="Consolas" panose="020B0609020204030204" pitchFamily="49" charset="0"/>
+                <a:cs typeface="Consolas" panose="020B0609020204030204" pitchFamily="49" charset="0"/>
+              </a:rPr>
+              <a:t>start=</a:t>
+            </a:r>
+            <a:r>
+              <a:rPr lang="en-US" sz="1400" dirty="0">
+                <a:solidFill>
+                  <a:srgbClr val="6897BB"/>
+                </a:solidFill>
+                <a:effectLst/>
+                <a:latin typeface="Consolas" panose="020B0609020204030204" pitchFamily="49" charset="0"/>
+                <a:cs typeface="Consolas" panose="020B0609020204030204" pitchFamily="49" charset="0"/>
+              </a:rPr>
+              <a:t>0</a:t>
+            </a:r>
+            <a:r>
+              <a:rPr lang="en-US" sz="1400" dirty="0">
+                <a:solidFill>
+                  <a:srgbClr val="CC7832"/>
+                </a:solidFill>
+                <a:effectLst/>
+                <a:latin typeface="Consolas" panose="020B0609020204030204" pitchFamily="49" charset="0"/>
+                <a:cs typeface="Consolas" panose="020B0609020204030204" pitchFamily="49" charset="0"/>
+              </a:rPr>
+              <a:t>, </a:t>
+            </a:r>
+            <a:r>
+              <a:rPr lang="en-US" sz="1400" dirty="0">
+                <a:latin typeface="Consolas" panose="020B0609020204030204" pitchFamily="49" charset="0"/>
+                <a:cs typeface="Consolas" panose="020B0609020204030204" pitchFamily="49" charset="0"/>
+              </a:rPr>
+              <a:t>end=</a:t>
+            </a:r>
+            <a:r>
+              <a:rPr lang="en-US" sz="1400" dirty="0">
+                <a:solidFill>
+                  <a:srgbClr val="CC7832"/>
+                </a:solidFill>
+                <a:effectLst/>
+                <a:latin typeface="Consolas" panose="020B0609020204030204" pitchFamily="49" charset="0"/>
+                <a:cs typeface="Consolas" panose="020B0609020204030204" pitchFamily="49" charset="0"/>
+              </a:rPr>
+              <a:t>None</a:t>
+            </a:r>
+            <a:r>
+              <a:rPr lang="en-US" sz="1400" dirty="0">
+                <a:latin typeface="Consolas" panose="020B0609020204030204" pitchFamily="49" charset="0"/>
+                <a:cs typeface="Consolas" panose="020B0609020204030204" pitchFamily="49" charset="0"/>
+              </a:rPr>
+              <a:t>):</a:t>
+            </a:r>
+            <a:br>
+              <a:rPr lang="en-US" sz="1400" dirty="0">
+                <a:latin typeface="Consolas" panose="020B0609020204030204" pitchFamily="49" charset="0"/>
+                <a:cs typeface="Consolas" panose="020B0609020204030204" pitchFamily="49" charset="0"/>
+              </a:rPr>
+            </a:br>
+            <a:r>
+              <a:rPr lang="en-US" sz="1400" dirty="0">
+                <a:latin typeface="Consolas" panose="020B0609020204030204" pitchFamily="49" charset="0"/>
+                <a:cs typeface="Consolas" panose="020B0609020204030204" pitchFamily="49" charset="0"/>
+              </a:rPr>
+              <a:t>    </a:t>
+            </a:r>
+            <a:r>
+              <a:rPr lang="en-US" sz="1400" dirty="0">
+                <a:solidFill>
+                  <a:srgbClr val="CC7832"/>
+                </a:solidFill>
+                <a:effectLst/>
+                <a:latin typeface="Consolas" panose="020B0609020204030204" pitchFamily="49" charset="0"/>
+                <a:cs typeface="Consolas" panose="020B0609020204030204" pitchFamily="49" charset="0"/>
+              </a:rPr>
+              <a:t>if </a:t>
+            </a:r>
+            <a:r>
+              <a:rPr lang="en-US" sz="1400" dirty="0">
+                <a:latin typeface="Consolas" panose="020B0609020204030204" pitchFamily="49" charset="0"/>
+                <a:cs typeface="Consolas" panose="020B0609020204030204" pitchFamily="49" charset="0"/>
+              </a:rPr>
+              <a:t>end </a:t>
+            </a:r>
+            <a:r>
+              <a:rPr lang="en-US" sz="1400" dirty="0">
+                <a:solidFill>
+                  <a:srgbClr val="CC7832"/>
+                </a:solidFill>
+                <a:effectLst/>
+                <a:latin typeface="Consolas" panose="020B0609020204030204" pitchFamily="49" charset="0"/>
+                <a:cs typeface="Consolas" panose="020B0609020204030204" pitchFamily="49" charset="0"/>
+              </a:rPr>
+              <a:t>is None</a:t>
+            </a:r>
+            <a:r>
+              <a:rPr lang="en-US" sz="1400" dirty="0">
+                <a:latin typeface="Consolas" panose="020B0609020204030204" pitchFamily="49" charset="0"/>
+                <a:cs typeface="Consolas" panose="020B0609020204030204" pitchFamily="49" charset="0"/>
+              </a:rPr>
+              <a:t>:</a:t>
+            </a:r>
+            <a:br>
+              <a:rPr lang="en-US" sz="1400" dirty="0">
+                <a:latin typeface="Consolas" panose="020B0609020204030204" pitchFamily="49" charset="0"/>
+                <a:cs typeface="Consolas" panose="020B0609020204030204" pitchFamily="49" charset="0"/>
+              </a:rPr>
+            </a:br>
+            <a:r>
+              <a:rPr lang="en-US" sz="1400" dirty="0">
+                <a:latin typeface="Consolas" panose="020B0609020204030204" pitchFamily="49" charset="0"/>
+                <a:cs typeface="Consolas" panose="020B0609020204030204" pitchFamily="49" charset="0"/>
+              </a:rPr>
+              <a:t>        end = </a:t>
+            </a:r>
+            <a:r>
+              <a:rPr lang="en-US" sz="1400" dirty="0" err="1">
+                <a:solidFill>
+                  <a:srgbClr val="8888C6"/>
+                </a:solidFill>
+                <a:effectLst/>
+                <a:latin typeface="Consolas" panose="020B0609020204030204" pitchFamily="49" charset="0"/>
+                <a:cs typeface="Consolas" panose="020B0609020204030204" pitchFamily="49" charset="0"/>
+              </a:rPr>
+              <a:t>len</a:t>
+            </a:r>
+            <a:r>
+              <a:rPr lang="en-US" sz="1400" dirty="0">
+                <a:latin typeface="Consolas" panose="020B0609020204030204" pitchFamily="49" charset="0"/>
+                <a:cs typeface="Consolas" panose="020B0609020204030204" pitchFamily="49" charset="0"/>
+              </a:rPr>
+              <a:t>(</a:t>
+            </a:r>
+            <a:r>
+              <a:rPr lang="en-US" sz="1400" dirty="0" err="1">
+                <a:latin typeface="Consolas" panose="020B0609020204030204" pitchFamily="49" charset="0"/>
+                <a:cs typeface="Consolas" panose="020B0609020204030204" pitchFamily="49" charset="0"/>
+              </a:rPr>
+              <a:t>sorted_list</a:t>
+            </a:r>
+            <a:r>
+              <a:rPr lang="en-US" sz="1400" dirty="0">
+                <a:latin typeface="Consolas" panose="020B0609020204030204" pitchFamily="49" charset="0"/>
+                <a:cs typeface="Consolas" panose="020B0609020204030204" pitchFamily="49" charset="0"/>
+              </a:rPr>
+              <a:t>)</a:t>
+            </a:r>
+            <a:br>
+              <a:rPr lang="en-US" sz="1400" dirty="0">
+                <a:latin typeface="Consolas" panose="020B0609020204030204" pitchFamily="49" charset="0"/>
+                <a:cs typeface="Consolas" panose="020B0609020204030204" pitchFamily="49" charset="0"/>
+              </a:rPr>
+            </a:br>
+            <a:r>
+              <a:rPr lang="en-US" sz="1400" dirty="0">
+                <a:latin typeface="Consolas" panose="020B0609020204030204" pitchFamily="49" charset="0"/>
+                <a:cs typeface="Consolas" panose="020B0609020204030204" pitchFamily="49" charset="0"/>
+              </a:rPr>
+              <a:t>    </a:t>
+            </a:r>
+            <a:r>
+              <a:rPr lang="en-US" sz="1400" dirty="0">
+                <a:solidFill>
+                  <a:srgbClr val="CC7832"/>
+                </a:solidFill>
+                <a:effectLst/>
+                <a:latin typeface="Consolas" panose="020B0609020204030204" pitchFamily="49" charset="0"/>
+                <a:cs typeface="Consolas" panose="020B0609020204030204" pitchFamily="49" charset="0"/>
+              </a:rPr>
+              <a:t>if </a:t>
+            </a:r>
+            <a:r>
+              <a:rPr lang="en-US" sz="1400" dirty="0">
+                <a:latin typeface="Consolas" panose="020B0609020204030204" pitchFamily="49" charset="0"/>
+                <a:cs typeface="Consolas" panose="020B0609020204030204" pitchFamily="49" charset="0"/>
+              </a:rPr>
+              <a:t>(end - start)+</a:t>
+            </a:r>
+            <a:r>
+              <a:rPr lang="en-US" sz="1400" dirty="0">
+                <a:solidFill>
+                  <a:srgbClr val="6897BB"/>
+                </a:solidFill>
+                <a:effectLst/>
+                <a:latin typeface="Consolas" panose="020B0609020204030204" pitchFamily="49" charset="0"/>
+                <a:cs typeface="Consolas" panose="020B0609020204030204" pitchFamily="49" charset="0"/>
+              </a:rPr>
+              <a:t>1 </a:t>
+            </a:r>
+            <a:r>
+              <a:rPr lang="en-US" sz="1400" dirty="0">
+                <a:latin typeface="Consolas" panose="020B0609020204030204" pitchFamily="49" charset="0"/>
+                <a:cs typeface="Consolas" panose="020B0609020204030204" pitchFamily="49" charset="0"/>
+              </a:rPr>
+              <a:t>&lt; </a:t>
+            </a:r>
+            <a:r>
+              <a:rPr lang="en-US" sz="1400" dirty="0">
+                <a:solidFill>
+                  <a:srgbClr val="6897BB"/>
+                </a:solidFill>
+                <a:effectLst/>
+                <a:latin typeface="Consolas" panose="020B0609020204030204" pitchFamily="49" charset="0"/>
+                <a:cs typeface="Consolas" panose="020B0609020204030204" pitchFamily="49" charset="0"/>
+              </a:rPr>
+              <a:t>2</a:t>
+            </a:r>
+            <a:r>
+              <a:rPr lang="en-US" sz="1400" dirty="0">
+                <a:latin typeface="Consolas" panose="020B0609020204030204" pitchFamily="49" charset="0"/>
+                <a:cs typeface="Consolas" panose="020B0609020204030204" pitchFamily="49" charset="0"/>
+              </a:rPr>
+              <a:t>:</a:t>
+            </a:r>
+            <a:br>
+              <a:rPr lang="en-US" sz="1400" dirty="0">
+                <a:latin typeface="Consolas" panose="020B0609020204030204" pitchFamily="49" charset="0"/>
+                <a:cs typeface="Consolas" panose="020B0609020204030204" pitchFamily="49" charset="0"/>
+              </a:rPr>
+            </a:br>
+            <a:r>
+              <a:rPr lang="en-US" sz="1400" dirty="0">
+                <a:latin typeface="Consolas" panose="020B0609020204030204" pitchFamily="49" charset="0"/>
+                <a:cs typeface="Consolas" panose="020B0609020204030204" pitchFamily="49" charset="0"/>
+              </a:rPr>
+              <a:t>        </a:t>
+            </a:r>
+            <a:r>
+              <a:rPr lang="en-US" sz="1400" dirty="0">
+                <a:solidFill>
+                  <a:srgbClr val="CC7832"/>
+                </a:solidFill>
+                <a:effectLst/>
+                <a:latin typeface="Consolas" panose="020B0609020204030204" pitchFamily="49" charset="0"/>
+                <a:cs typeface="Consolas" panose="020B0609020204030204" pitchFamily="49" charset="0"/>
+              </a:rPr>
+              <a:t>return </a:t>
+            </a:r>
+            <a:r>
+              <a:rPr lang="en-US" sz="1400" dirty="0">
+                <a:latin typeface="Consolas" panose="020B0609020204030204" pitchFamily="49" charset="0"/>
+                <a:cs typeface="Consolas" panose="020B0609020204030204" pitchFamily="49" charset="0"/>
+              </a:rPr>
+              <a:t>-</a:t>
+            </a:r>
+            <a:r>
+              <a:rPr lang="en-US" sz="1400" dirty="0">
+                <a:solidFill>
+                  <a:srgbClr val="6897BB"/>
+                </a:solidFill>
+                <a:effectLst/>
+                <a:latin typeface="Consolas" panose="020B0609020204030204" pitchFamily="49" charset="0"/>
+                <a:cs typeface="Consolas" panose="020B0609020204030204" pitchFamily="49" charset="0"/>
+              </a:rPr>
+              <a:t>1</a:t>
+            </a:r>
+            <a:br>
+              <a:rPr lang="en-US" sz="1400" dirty="0">
+                <a:solidFill>
+                  <a:srgbClr val="6897BB"/>
+                </a:solidFill>
+                <a:effectLst/>
+                <a:latin typeface="Consolas" panose="020B0609020204030204" pitchFamily="49" charset="0"/>
+                <a:cs typeface="Consolas" panose="020B0609020204030204" pitchFamily="49" charset="0"/>
+              </a:rPr>
+            </a:br>
+            <a:r>
+              <a:rPr lang="en-US" sz="1400" dirty="0">
+                <a:solidFill>
+                  <a:srgbClr val="6897BB"/>
+                </a:solidFill>
+                <a:effectLst/>
+                <a:latin typeface="Consolas" panose="020B0609020204030204" pitchFamily="49" charset="0"/>
+                <a:cs typeface="Consolas" panose="020B0609020204030204" pitchFamily="49" charset="0"/>
+              </a:rPr>
+              <a:t>    </a:t>
+            </a:r>
+            <a:r>
+              <a:rPr lang="en-US" sz="1400" dirty="0">
+                <a:solidFill>
+                  <a:srgbClr val="808080"/>
+                </a:solidFill>
+                <a:effectLst/>
+                <a:latin typeface="Consolas" panose="020B0609020204030204" pitchFamily="49" charset="0"/>
+                <a:cs typeface="Consolas" panose="020B0609020204030204" pitchFamily="49" charset="0"/>
+              </a:rPr>
+              <a:t>## get middle index!</a:t>
+            </a:r>
+            <a:br>
+              <a:rPr lang="en-US" sz="1400" dirty="0">
+                <a:solidFill>
+                  <a:srgbClr val="808080"/>
+                </a:solidFill>
+                <a:effectLst/>
+                <a:latin typeface="Consolas" panose="020B0609020204030204" pitchFamily="49" charset="0"/>
+                <a:cs typeface="Consolas" panose="020B0609020204030204" pitchFamily="49" charset="0"/>
+              </a:rPr>
+            </a:br>
+            <a:r>
+              <a:rPr lang="en-US" sz="1400" dirty="0">
+                <a:solidFill>
+                  <a:srgbClr val="808080"/>
+                </a:solidFill>
+                <a:effectLst/>
+                <a:latin typeface="Consolas" panose="020B0609020204030204" pitchFamily="49" charset="0"/>
+                <a:cs typeface="Consolas" panose="020B0609020204030204" pitchFamily="49" charset="0"/>
+              </a:rPr>
+              <a:t>    </a:t>
+            </a:r>
+            <a:r>
+              <a:rPr lang="en-US" sz="1400" dirty="0">
+                <a:latin typeface="Consolas" panose="020B0609020204030204" pitchFamily="49" charset="0"/>
+                <a:cs typeface="Consolas" panose="020B0609020204030204" pitchFamily="49" charset="0"/>
+              </a:rPr>
+              <a:t>middle = (</a:t>
+            </a:r>
+            <a:r>
+              <a:rPr lang="en-US" sz="1400" dirty="0" err="1">
+                <a:latin typeface="Consolas" panose="020B0609020204030204" pitchFamily="49" charset="0"/>
+                <a:cs typeface="Consolas" panose="020B0609020204030204" pitchFamily="49" charset="0"/>
+              </a:rPr>
+              <a:t>end+start</a:t>
+            </a:r>
+            <a:r>
+              <a:rPr lang="en-US" sz="1400" dirty="0">
+                <a:latin typeface="Consolas" panose="020B0609020204030204" pitchFamily="49" charset="0"/>
+                <a:cs typeface="Consolas" panose="020B0609020204030204" pitchFamily="49" charset="0"/>
+              </a:rPr>
+              <a:t>) // </a:t>
+            </a:r>
+            <a:r>
+              <a:rPr lang="en-US" sz="1400" dirty="0">
+                <a:solidFill>
+                  <a:srgbClr val="6897BB"/>
+                </a:solidFill>
+                <a:effectLst/>
+                <a:latin typeface="Consolas" panose="020B0609020204030204" pitchFamily="49" charset="0"/>
+                <a:cs typeface="Consolas" panose="020B0609020204030204" pitchFamily="49" charset="0"/>
+              </a:rPr>
+              <a:t>2 </a:t>
+            </a:r>
+            <a:r>
+              <a:rPr lang="en-US" sz="1400" dirty="0">
+                <a:solidFill>
+                  <a:srgbClr val="808080"/>
+                </a:solidFill>
+                <a:effectLst/>
+                <a:latin typeface="Consolas" panose="020B0609020204030204" pitchFamily="49" charset="0"/>
+                <a:cs typeface="Consolas" panose="020B0609020204030204" pitchFamily="49" charset="0"/>
+              </a:rPr>
+              <a:t>#notice // why?</a:t>
+            </a:r>
+            <a:br>
+              <a:rPr lang="en-US" sz="1400" dirty="0">
+                <a:solidFill>
+                  <a:srgbClr val="808080"/>
+                </a:solidFill>
+                <a:effectLst/>
+                <a:latin typeface="Consolas" panose="020B0609020204030204" pitchFamily="49" charset="0"/>
+                <a:cs typeface="Consolas" panose="020B0609020204030204" pitchFamily="49" charset="0"/>
+              </a:rPr>
+            </a:br>
+            <a:r>
+              <a:rPr lang="en-US" sz="1400" dirty="0">
+                <a:solidFill>
+                  <a:srgbClr val="808080"/>
+                </a:solidFill>
+                <a:effectLst/>
+                <a:latin typeface="Consolas" panose="020B0609020204030204" pitchFamily="49" charset="0"/>
+                <a:cs typeface="Consolas" panose="020B0609020204030204" pitchFamily="49" charset="0"/>
+              </a:rPr>
+              <a:t>    </a:t>
+            </a:r>
+            <a:r>
+              <a:rPr lang="en-US" sz="1400" dirty="0">
+                <a:solidFill>
+                  <a:srgbClr val="CC7832"/>
+                </a:solidFill>
+                <a:effectLst/>
+                <a:latin typeface="Consolas" panose="020B0609020204030204" pitchFamily="49" charset="0"/>
+                <a:cs typeface="Consolas" panose="020B0609020204030204" pitchFamily="49" charset="0"/>
+              </a:rPr>
+              <a:t>if </a:t>
+            </a:r>
+            <a:r>
+              <a:rPr lang="en-US" sz="1400" dirty="0">
+                <a:latin typeface="Consolas" panose="020B0609020204030204" pitchFamily="49" charset="0"/>
+                <a:cs typeface="Consolas" panose="020B0609020204030204" pitchFamily="49" charset="0"/>
+              </a:rPr>
+              <a:t>value == </a:t>
+            </a:r>
+            <a:r>
+              <a:rPr lang="en-US" sz="1400" dirty="0" err="1">
+                <a:latin typeface="Consolas" panose="020B0609020204030204" pitchFamily="49" charset="0"/>
+                <a:cs typeface="Consolas" panose="020B0609020204030204" pitchFamily="49" charset="0"/>
+              </a:rPr>
+              <a:t>sorted_list</a:t>
+            </a:r>
+            <a:r>
+              <a:rPr lang="en-US" sz="1400" dirty="0">
+                <a:latin typeface="Consolas" panose="020B0609020204030204" pitchFamily="49" charset="0"/>
+                <a:cs typeface="Consolas" panose="020B0609020204030204" pitchFamily="49" charset="0"/>
+              </a:rPr>
+              <a:t>[middle]:</a:t>
+            </a:r>
+            <a:br>
+              <a:rPr lang="en-US" sz="1400" dirty="0">
+                <a:latin typeface="Consolas" panose="020B0609020204030204" pitchFamily="49" charset="0"/>
+                <a:cs typeface="Consolas" panose="020B0609020204030204" pitchFamily="49" charset="0"/>
+              </a:rPr>
+            </a:br>
+            <a:r>
+              <a:rPr lang="en-US" sz="1400" dirty="0">
+                <a:latin typeface="Consolas" panose="020B0609020204030204" pitchFamily="49" charset="0"/>
+                <a:cs typeface="Consolas" panose="020B0609020204030204" pitchFamily="49" charset="0"/>
+              </a:rPr>
+              <a:t>        index = middle</a:t>
+            </a:r>
+            <a:br>
+              <a:rPr lang="en-US" sz="1400" dirty="0">
+                <a:latin typeface="Consolas" panose="020B0609020204030204" pitchFamily="49" charset="0"/>
+                <a:cs typeface="Consolas" panose="020B0609020204030204" pitchFamily="49" charset="0"/>
+              </a:rPr>
+            </a:br>
+            <a:r>
+              <a:rPr lang="en-US" sz="1400" dirty="0">
+                <a:latin typeface="Consolas" panose="020B0609020204030204" pitchFamily="49" charset="0"/>
+                <a:cs typeface="Consolas" panose="020B0609020204030204" pitchFamily="49" charset="0"/>
+              </a:rPr>
+              <a:t>    </a:t>
+            </a:r>
+            <a:r>
+              <a:rPr lang="en-US" sz="1400" dirty="0" err="1">
+                <a:solidFill>
+                  <a:srgbClr val="CC7832"/>
+                </a:solidFill>
+                <a:effectLst/>
+                <a:latin typeface="Consolas" panose="020B0609020204030204" pitchFamily="49" charset="0"/>
+                <a:cs typeface="Consolas" panose="020B0609020204030204" pitchFamily="49" charset="0"/>
+              </a:rPr>
+              <a:t>elif</a:t>
+            </a:r>
+            <a:r>
+              <a:rPr lang="en-US" sz="1400" dirty="0">
+                <a:solidFill>
+                  <a:srgbClr val="CC7832"/>
+                </a:solidFill>
+                <a:effectLst/>
+                <a:latin typeface="Consolas" panose="020B0609020204030204" pitchFamily="49" charset="0"/>
+                <a:cs typeface="Consolas" panose="020B0609020204030204" pitchFamily="49" charset="0"/>
+              </a:rPr>
+              <a:t> </a:t>
+            </a:r>
+            <a:r>
+              <a:rPr lang="en-US" sz="1400" dirty="0">
+                <a:latin typeface="Consolas" panose="020B0609020204030204" pitchFamily="49" charset="0"/>
+                <a:cs typeface="Consolas" panose="020B0609020204030204" pitchFamily="49" charset="0"/>
+              </a:rPr>
+              <a:t>value &lt; </a:t>
+            </a:r>
+            <a:r>
+              <a:rPr lang="en-US" sz="1400" dirty="0" err="1">
+                <a:latin typeface="Consolas" panose="020B0609020204030204" pitchFamily="49" charset="0"/>
+                <a:cs typeface="Consolas" panose="020B0609020204030204" pitchFamily="49" charset="0"/>
+              </a:rPr>
+              <a:t>sorted_list</a:t>
+            </a:r>
+            <a:r>
+              <a:rPr lang="en-US" sz="1400" dirty="0">
+                <a:latin typeface="Consolas" panose="020B0609020204030204" pitchFamily="49" charset="0"/>
+                <a:cs typeface="Consolas" panose="020B0609020204030204" pitchFamily="49" charset="0"/>
+              </a:rPr>
+              <a:t>[middle]:</a:t>
+            </a:r>
+            <a:br>
+              <a:rPr lang="en-US" sz="1400" dirty="0">
+                <a:solidFill>
+                  <a:srgbClr val="808080"/>
+                </a:solidFill>
+                <a:effectLst/>
+                <a:latin typeface="Consolas" panose="020B0609020204030204" pitchFamily="49" charset="0"/>
+                <a:cs typeface="Consolas" panose="020B0609020204030204" pitchFamily="49" charset="0"/>
+              </a:rPr>
+            </a:br>
+            <a:r>
+              <a:rPr lang="en-US" sz="1400" dirty="0">
+                <a:solidFill>
+                  <a:srgbClr val="808080"/>
+                </a:solidFill>
+                <a:effectLst/>
+                <a:latin typeface="Consolas" panose="020B0609020204030204" pitchFamily="49" charset="0"/>
+                <a:cs typeface="Consolas" panose="020B0609020204030204" pitchFamily="49" charset="0"/>
+              </a:rPr>
+              <a:t>        </a:t>
+            </a:r>
+            <a:r>
+              <a:rPr lang="en-US" sz="1400" dirty="0">
+                <a:latin typeface="Consolas" panose="020B0609020204030204" pitchFamily="49" charset="0"/>
+                <a:cs typeface="Consolas" panose="020B0609020204030204" pitchFamily="49" charset="0"/>
+              </a:rPr>
+              <a:t>index = </a:t>
+            </a:r>
+            <a:r>
+              <a:rPr lang="en-US" sz="1400" dirty="0" err="1">
+                <a:latin typeface="Consolas" panose="020B0609020204030204" pitchFamily="49" charset="0"/>
+                <a:cs typeface="Consolas" panose="020B0609020204030204" pitchFamily="49" charset="0"/>
+              </a:rPr>
+              <a:t>binary_search</a:t>
+            </a:r>
+            <a:r>
+              <a:rPr lang="en-US" sz="1400" dirty="0">
+                <a:latin typeface="Consolas" panose="020B0609020204030204" pitchFamily="49" charset="0"/>
+                <a:cs typeface="Consolas" panose="020B0609020204030204" pitchFamily="49" charset="0"/>
+              </a:rPr>
+              <a:t>(</a:t>
+            </a:r>
+            <a:r>
+              <a:rPr lang="en-US" sz="1400" dirty="0" err="1">
+                <a:latin typeface="Consolas" panose="020B0609020204030204" pitchFamily="49" charset="0"/>
+                <a:cs typeface="Consolas" panose="020B0609020204030204" pitchFamily="49" charset="0"/>
+              </a:rPr>
+              <a:t>sorted_list</a:t>
+            </a:r>
+            <a:r>
+              <a:rPr lang="en-US" sz="1400" dirty="0">
+                <a:solidFill>
+                  <a:srgbClr val="CC7832"/>
+                </a:solidFill>
+                <a:effectLst/>
+                <a:latin typeface="Consolas" panose="020B0609020204030204" pitchFamily="49" charset="0"/>
+                <a:cs typeface="Consolas" panose="020B0609020204030204" pitchFamily="49" charset="0"/>
+              </a:rPr>
+              <a:t>, </a:t>
+            </a:r>
+            <a:r>
+              <a:rPr lang="en-US" sz="1400" dirty="0">
+                <a:latin typeface="Consolas" panose="020B0609020204030204" pitchFamily="49" charset="0"/>
+                <a:cs typeface="Consolas" panose="020B0609020204030204" pitchFamily="49" charset="0"/>
+              </a:rPr>
+              <a:t>value</a:t>
+            </a:r>
+            <a:r>
+              <a:rPr lang="en-US" sz="1400" dirty="0">
+                <a:solidFill>
+                  <a:srgbClr val="CC7832"/>
+                </a:solidFill>
+                <a:effectLst/>
+                <a:latin typeface="Consolas" panose="020B0609020204030204" pitchFamily="49" charset="0"/>
+                <a:cs typeface="Consolas" panose="020B0609020204030204" pitchFamily="49" charset="0"/>
+              </a:rPr>
+              <a:t>, </a:t>
+            </a:r>
+            <a:r>
+              <a:rPr lang="en-US" sz="1400" dirty="0">
+                <a:solidFill>
+                  <a:srgbClr val="AA4926"/>
+                </a:solidFill>
+                <a:effectLst/>
+                <a:latin typeface="Consolas" panose="020B0609020204030204" pitchFamily="49" charset="0"/>
+                <a:cs typeface="Consolas" panose="020B0609020204030204" pitchFamily="49" charset="0"/>
+              </a:rPr>
+              <a:t>start</a:t>
+            </a:r>
+            <a:r>
+              <a:rPr lang="en-US" sz="1400" dirty="0">
+                <a:latin typeface="Consolas" panose="020B0609020204030204" pitchFamily="49" charset="0"/>
+                <a:cs typeface="Consolas" panose="020B0609020204030204" pitchFamily="49" charset="0"/>
+              </a:rPr>
+              <a:t>=</a:t>
+            </a:r>
+            <a:r>
+              <a:rPr lang="en-US" sz="1400" dirty="0">
+                <a:solidFill>
+                  <a:srgbClr val="6897BB"/>
+                </a:solidFill>
+                <a:effectLst/>
+                <a:latin typeface="Consolas" panose="020B0609020204030204" pitchFamily="49" charset="0"/>
+                <a:cs typeface="Consolas" panose="020B0609020204030204" pitchFamily="49" charset="0"/>
+              </a:rPr>
+              <a:t>0</a:t>
+            </a:r>
+            <a:r>
+              <a:rPr lang="en-US" sz="1400" dirty="0">
+                <a:solidFill>
+                  <a:srgbClr val="CC7832"/>
+                </a:solidFill>
+                <a:effectLst/>
+                <a:latin typeface="Consolas" panose="020B0609020204030204" pitchFamily="49" charset="0"/>
+                <a:cs typeface="Consolas" panose="020B0609020204030204" pitchFamily="49" charset="0"/>
+              </a:rPr>
+              <a:t>, </a:t>
+            </a:r>
+            <a:r>
+              <a:rPr lang="en-US" sz="1400" dirty="0">
+                <a:solidFill>
+                  <a:srgbClr val="AA4926"/>
+                </a:solidFill>
+                <a:effectLst/>
+                <a:latin typeface="Consolas" panose="020B0609020204030204" pitchFamily="49" charset="0"/>
+                <a:cs typeface="Consolas" panose="020B0609020204030204" pitchFamily="49" charset="0"/>
+              </a:rPr>
+              <a:t>end</a:t>
+            </a:r>
+            <a:r>
+              <a:rPr lang="en-US" sz="1400" dirty="0">
+                <a:latin typeface="Consolas" panose="020B0609020204030204" pitchFamily="49" charset="0"/>
+                <a:cs typeface="Consolas" panose="020B0609020204030204" pitchFamily="49" charset="0"/>
+              </a:rPr>
+              <a:t>=middle)</a:t>
+            </a:r>
+            <a:br>
+              <a:rPr lang="en-US" sz="1400" dirty="0">
+                <a:latin typeface="Consolas" panose="020B0609020204030204" pitchFamily="49" charset="0"/>
+                <a:cs typeface="Consolas" panose="020B0609020204030204" pitchFamily="49" charset="0"/>
+              </a:rPr>
+            </a:br>
+            <a:r>
+              <a:rPr lang="en-US" sz="1400" dirty="0">
+                <a:latin typeface="Consolas" panose="020B0609020204030204" pitchFamily="49" charset="0"/>
+                <a:cs typeface="Consolas" panose="020B0609020204030204" pitchFamily="49" charset="0"/>
+              </a:rPr>
+              <a:t>    </a:t>
+            </a:r>
+            <a:r>
+              <a:rPr lang="en-US" sz="1400" dirty="0">
+                <a:solidFill>
+                  <a:srgbClr val="CC7832"/>
+                </a:solidFill>
+                <a:effectLst/>
+                <a:latin typeface="Consolas" panose="020B0609020204030204" pitchFamily="49" charset="0"/>
+                <a:cs typeface="Consolas" panose="020B0609020204030204" pitchFamily="49" charset="0"/>
+              </a:rPr>
+              <a:t>else</a:t>
+            </a:r>
+            <a:r>
+              <a:rPr lang="en-US" sz="1400" dirty="0">
+                <a:latin typeface="Consolas" panose="020B0609020204030204" pitchFamily="49" charset="0"/>
+                <a:cs typeface="Consolas" panose="020B0609020204030204" pitchFamily="49" charset="0"/>
+              </a:rPr>
+              <a:t>:</a:t>
+            </a:r>
+            <a:br>
+              <a:rPr lang="en-US" sz="1400" dirty="0">
+                <a:solidFill>
+                  <a:srgbClr val="808080"/>
+                </a:solidFill>
+                <a:effectLst/>
+                <a:latin typeface="Consolas" panose="020B0609020204030204" pitchFamily="49" charset="0"/>
+                <a:cs typeface="Consolas" panose="020B0609020204030204" pitchFamily="49" charset="0"/>
+              </a:rPr>
+            </a:br>
+            <a:r>
+              <a:rPr lang="en-US" sz="1400" dirty="0">
+                <a:solidFill>
+                  <a:srgbClr val="808080"/>
+                </a:solidFill>
+                <a:effectLst/>
+                <a:latin typeface="Consolas" panose="020B0609020204030204" pitchFamily="49" charset="0"/>
+                <a:cs typeface="Consolas" panose="020B0609020204030204" pitchFamily="49" charset="0"/>
+              </a:rPr>
+              <a:t>        </a:t>
+            </a:r>
+            <a:r>
+              <a:rPr lang="en-US" sz="1400" dirty="0">
+                <a:latin typeface="Consolas" panose="020B0609020204030204" pitchFamily="49" charset="0"/>
+                <a:cs typeface="Consolas" panose="020B0609020204030204" pitchFamily="49" charset="0"/>
+              </a:rPr>
+              <a:t>index = </a:t>
+            </a:r>
+            <a:r>
+              <a:rPr lang="en-US" sz="1400" dirty="0" err="1">
+                <a:latin typeface="Consolas" panose="020B0609020204030204" pitchFamily="49" charset="0"/>
+                <a:cs typeface="Consolas" panose="020B0609020204030204" pitchFamily="49" charset="0"/>
+              </a:rPr>
+              <a:t>binary_search</a:t>
+            </a:r>
+            <a:r>
+              <a:rPr lang="en-US" sz="1400" dirty="0">
+                <a:latin typeface="Consolas" panose="020B0609020204030204" pitchFamily="49" charset="0"/>
+                <a:cs typeface="Consolas" panose="020B0609020204030204" pitchFamily="49" charset="0"/>
+              </a:rPr>
+              <a:t>(</a:t>
+            </a:r>
+            <a:r>
+              <a:rPr lang="en-US" sz="1400" dirty="0" err="1">
+                <a:latin typeface="Consolas" panose="020B0609020204030204" pitchFamily="49" charset="0"/>
+                <a:cs typeface="Consolas" panose="020B0609020204030204" pitchFamily="49" charset="0"/>
+              </a:rPr>
+              <a:t>sorted_list</a:t>
+            </a:r>
+            <a:r>
+              <a:rPr lang="en-US" sz="1400" dirty="0">
+                <a:solidFill>
+                  <a:srgbClr val="CC7832"/>
+                </a:solidFill>
+                <a:effectLst/>
+                <a:latin typeface="Consolas" panose="020B0609020204030204" pitchFamily="49" charset="0"/>
+                <a:cs typeface="Consolas" panose="020B0609020204030204" pitchFamily="49" charset="0"/>
+              </a:rPr>
+              <a:t>, </a:t>
+            </a:r>
+            <a:r>
+              <a:rPr lang="en-US" sz="1400" dirty="0">
+                <a:latin typeface="Consolas" panose="020B0609020204030204" pitchFamily="49" charset="0"/>
+                <a:cs typeface="Consolas" panose="020B0609020204030204" pitchFamily="49" charset="0"/>
+              </a:rPr>
+              <a:t>value</a:t>
+            </a:r>
+            <a:r>
+              <a:rPr lang="en-US" sz="1400" dirty="0">
+                <a:solidFill>
+                  <a:srgbClr val="CC7832"/>
+                </a:solidFill>
+                <a:effectLst/>
+                <a:latin typeface="Consolas" panose="020B0609020204030204" pitchFamily="49" charset="0"/>
+                <a:cs typeface="Consolas" panose="020B0609020204030204" pitchFamily="49" charset="0"/>
+              </a:rPr>
+              <a:t>, </a:t>
+            </a:r>
+            <a:r>
+              <a:rPr lang="en-US" sz="1400" dirty="0">
+                <a:solidFill>
+                  <a:srgbClr val="AA4926"/>
+                </a:solidFill>
+                <a:effectLst/>
+                <a:latin typeface="Consolas" panose="020B0609020204030204" pitchFamily="49" charset="0"/>
+                <a:cs typeface="Consolas" panose="020B0609020204030204" pitchFamily="49" charset="0"/>
+              </a:rPr>
+              <a:t>start</a:t>
+            </a:r>
+            <a:r>
+              <a:rPr lang="en-US" sz="1400" dirty="0">
+                <a:latin typeface="Consolas" panose="020B0609020204030204" pitchFamily="49" charset="0"/>
+                <a:cs typeface="Consolas" panose="020B0609020204030204" pitchFamily="49" charset="0"/>
+              </a:rPr>
+              <a:t>=middle+</a:t>
+            </a:r>
+            <a:r>
+              <a:rPr lang="en-US" sz="1400" dirty="0">
+                <a:solidFill>
+                  <a:srgbClr val="6897BB"/>
+                </a:solidFill>
+                <a:effectLst/>
+                <a:latin typeface="Consolas" panose="020B0609020204030204" pitchFamily="49" charset="0"/>
+                <a:cs typeface="Consolas" panose="020B0609020204030204" pitchFamily="49" charset="0"/>
+              </a:rPr>
+              <a:t>1</a:t>
+            </a:r>
+            <a:r>
+              <a:rPr lang="en-US" sz="1400" dirty="0">
+                <a:solidFill>
+                  <a:srgbClr val="CC7832"/>
+                </a:solidFill>
+                <a:effectLst/>
+                <a:latin typeface="Consolas" panose="020B0609020204030204" pitchFamily="49" charset="0"/>
+                <a:cs typeface="Consolas" panose="020B0609020204030204" pitchFamily="49" charset="0"/>
+              </a:rPr>
+              <a:t>, </a:t>
+            </a:r>
+            <a:r>
+              <a:rPr lang="en-US" sz="1400" dirty="0">
+                <a:solidFill>
+                  <a:srgbClr val="AA4926"/>
+                </a:solidFill>
+                <a:effectLst/>
+                <a:latin typeface="Consolas" panose="020B0609020204030204" pitchFamily="49" charset="0"/>
+                <a:cs typeface="Consolas" panose="020B0609020204030204" pitchFamily="49" charset="0"/>
+              </a:rPr>
+              <a:t>end</a:t>
+            </a:r>
+            <a:r>
+              <a:rPr lang="en-US" sz="1400" dirty="0">
+                <a:latin typeface="Consolas" panose="020B0609020204030204" pitchFamily="49" charset="0"/>
+                <a:cs typeface="Consolas" panose="020B0609020204030204" pitchFamily="49" charset="0"/>
+              </a:rPr>
+              <a:t>=end)</a:t>
+            </a:r>
+            <a:br>
+              <a:rPr lang="en-US" sz="1400" dirty="0">
+                <a:latin typeface="Consolas" panose="020B0609020204030204" pitchFamily="49" charset="0"/>
+                <a:cs typeface="Consolas" panose="020B0609020204030204" pitchFamily="49" charset="0"/>
+              </a:rPr>
+            </a:br>
+            <a:r>
+              <a:rPr lang="en-US" sz="1400" dirty="0">
+                <a:latin typeface="Consolas" panose="020B0609020204030204" pitchFamily="49" charset="0"/>
+                <a:cs typeface="Consolas" panose="020B0609020204030204" pitchFamily="49" charset="0"/>
+              </a:rPr>
+              <a:t>    </a:t>
+            </a:r>
+            <a:r>
+              <a:rPr lang="en-US" sz="1400" dirty="0">
+                <a:solidFill>
+                  <a:srgbClr val="CC7832"/>
+                </a:solidFill>
+                <a:effectLst/>
+                <a:latin typeface="Consolas" panose="020B0609020204030204" pitchFamily="49" charset="0"/>
+                <a:cs typeface="Consolas" panose="020B0609020204030204" pitchFamily="49" charset="0"/>
+              </a:rPr>
+              <a:t>return </a:t>
+            </a:r>
+            <a:r>
+              <a:rPr lang="en-US" sz="1400" dirty="0">
+                <a:latin typeface="Consolas" panose="020B0609020204030204" pitchFamily="49" charset="0"/>
+                <a:cs typeface="Consolas" panose="020B0609020204030204" pitchFamily="49" charset="0"/>
+              </a:rPr>
+              <a:t>index</a:t>
+            </a:r>
+            <a:br>
+              <a:rPr lang="en-US" sz="1400" dirty="0">
+                <a:latin typeface="Consolas" panose="020B0609020204030204" pitchFamily="49" charset="0"/>
+                <a:cs typeface="Consolas" panose="020B0609020204030204" pitchFamily="49" charset="0"/>
+              </a:rPr>
+            </a:br>
+            <a:endParaRPr lang="en-US" sz="1400" dirty="0">
+              <a:latin typeface="Consolas" panose="020B0609020204030204" pitchFamily="49" charset="0"/>
+              <a:cs typeface="Consolas" panose="020B0609020204030204" pitchFamily="49" charset="0"/>
+            </a:endParaRPr>
           </a:p>
         </p:txBody>
       </p:sp>
     </p:spTree>
     <p:extLst>
       <p:ext uri="{BB962C8B-B14F-4D97-AF65-F5344CB8AC3E}">
-        <p14:creationId xmlns:p14="http://schemas.microsoft.com/office/powerpoint/2010/main" val="2225258926"/>
+        <p14:creationId xmlns:p14="http://schemas.microsoft.com/office/powerpoint/2010/main" val="1721790103"/>
       </p:ext>
     </p:extLst>
   </p:cSld>
@@ -9066,1177 +9928,6 @@
           <p:cNvPr id="2" name="Title 1">
             <a:extLst>
               <a:ext uri="{FF2B5EF4-FFF2-40B4-BE49-F238E27FC236}">
-                <a16:creationId xmlns:a16="http://schemas.microsoft.com/office/drawing/2014/main" id="{CA90500F-48F0-C54D-83B1-22861D22CE74}"/>
-              </a:ext>
-            </a:extLst>
-          </p:cNvPr>
-          <p:cNvSpPr>
-            <a:spLocks noGrp="1"/>
-          </p:cNvSpPr>
-          <p:nvPr>
-            <p:ph type="title"/>
-          </p:nvPr>
-        </p:nvSpPr>
-        <p:spPr/>
-        <p:txBody>
-          <a:bodyPr/>
-          <a:lstStyle/>
-          <a:p>
-            <a:r>
-              <a:rPr lang="en-US" dirty="0"/>
-              <a:t>Using Recursion To Simplify</a:t>
-            </a:r>
-          </a:p>
-        </p:txBody>
-      </p:sp>
-      <p:sp>
-        <p:nvSpPr>
-          <p:cNvPr id="3" name="Text Placeholder 2">
-            <a:extLst>
-              <a:ext uri="{FF2B5EF4-FFF2-40B4-BE49-F238E27FC236}">
-                <a16:creationId xmlns:a16="http://schemas.microsoft.com/office/drawing/2014/main" id="{FD63AD68-8C00-AA4A-A1D1-B00D45F6D5BF}"/>
-              </a:ext>
-            </a:extLst>
-          </p:cNvPr>
-          <p:cNvSpPr>
-            <a:spLocks noGrp="1"/>
-          </p:cNvSpPr>
-          <p:nvPr>
-            <p:ph type="body" sz="quarter" idx="10"/>
-          </p:nvPr>
-        </p:nvSpPr>
-        <p:spPr>
-          <a:xfrm>
-            <a:off x="628076" y="1776683"/>
-            <a:ext cx="5479214" cy="2461251"/>
-          </a:xfrm>
-        </p:spPr>
-        <p:txBody>
-          <a:bodyPr/>
-          <a:lstStyle/>
-          <a:p>
-            <a:r>
-              <a:rPr lang="en-US" dirty="0"/>
-              <a:t>How would you use a loop if you wanted to?</a:t>
-            </a:r>
-          </a:p>
-          <a:p>
-            <a:pPr lvl="1"/>
-            <a:r>
-              <a:rPr lang="en-US" dirty="0"/>
-              <a:t>Break up the list into thirds</a:t>
-            </a:r>
-          </a:p>
-          <a:p>
-            <a:pPr lvl="1"/>
-            <a:r>
-              <a:rPr lang="en-US" dirty="0"/>
-              <a:t>Based on an input, look at the top third</a:t>
-            </a:r>
-          </a:p>
-          <a:p>
-            <a:pPr lvl="1"/>
-            <a:r>
-              <a:rPr lang="en-US" dirty="0"/>
-              <a:t>Break up the list again, repeat?</a:t>
-            </a:r>
-          </a:p>
-          <a:p>
-            <a:r>
-              <a:rPr lang="en-US" dirty="0"/>
-              <a:t>Pretty complex as a loop! </a:t>
-            </a:r>
-          </a:p>
-          <a:p>
-            <a:pPr lvl="1"/>
-            <a:r>
-              <a:rPr lang="en-US" dirty="0"/>
-              <a:t>but what about recursively?</a:t>
-            </a:r>
-          </a:p>
-        </p:txBody>
-      </p:sp>
-    </p:spTree>
-    <p:extLst>
-      <p:ext uri="{BB962C8B-B14F-4D97-AF65-F5344CB8AC3E}">
-        <p14:creationId xmlns:p14="http://schemas.microsoft.com/office/powerpoint/2010/main" val="1892109128"/>
-      </p:ext>
-    </p:extLst>
-  </p:cSld>
-  <p:clrMapOvr>
-    <a:masterClrMapping/>
-  </p:clrMapOvr>
-  <mc:AlternateContent xmlns:mc="http://schemas.openxmlformats.org/markup-compatibility/2006">
-    <mc:Choice xmlns:p14="http://schemas.microsoft.com/office/powerpoint/2010/main" Requires="p14">
-      <p:transition p14:dur="300">
-        <p:fade/>
-      </p:transition>
-    </mc:Choice>
-    <mc:Fallback>
-      <p:transition>
-        <p:fade/>
-      </p:transition>
-    </mc:Fallback>
-  </mc:AlternateContent>
-</p:sld>
-</file>
-
-<file path=ppt/slides/slide12.xml><?xml version="1.0" encoding="utf-8"?>
-<p:sld xmlns:a="http://schemas.openxmlformats.org/drawingml/2006/main" xmlns:r="http://schemas.openxmlformats.org/officeDocument/2006/relationships" xmlns:p="http://schemas.openxmlformats.org/presentationml/2006/main" show="0">
-  <p:cSld>
-    <p:spTree>
-      <p:nvGrpSpPr>
-        <p:cNvPr id="1" name=""/>
-        <p:cNvGrpSpPr/>
-        <p:nvPr/>
-      </p:nvGrpSpPr>
-      <p:grpSpPr>
-        <a:xfrm>
-          <a:off x="0" y="0"/>
-          <a:ext cx="0" cy="0"/>
-          <a:chOff x="0" y="0"/>
-          <a:chExt cx="0" cy="0"/>
-        </a:xfrm>
-      </p:grpSpPr>
-      <p:sp>
-        <p:nvSpPr>
-          <p:cNvPr id="2" name="Title 1">
-            <a:extLst>
-              <a:ext uri="{FF2B5EF4-FFF2-40B4-BE49-F238E27FC236}">
-                <a16:creationId xmlns:a16="http://schemas.microsoft.com/office/drawing/2014/main" id="{954E8C63-79A0-6947-8A93-949E507396FA}"/>
-              </a:ext>
-            </a:extLst>
-          </p:cNvPr>
-          <p:cNvSpPr>
-            <a:spLocks noGrp="1"/>
-          </p:cNvSpPr>
-          <p:nvPr>
-            <p:ph type="title"/>
-          </p:nvPr>
-        </p:nvSpPr>
-        <p:spPr/>
-        <p:txBody>
-          <a:bodyPr/>
-          <a:lstStyle/>
-          <a:p>
-            <a:r>
-              <a:rPr lang="en-US" dirty="0"/>
-              <a:t>Binary Search</a:t>
-            </a:r>
-          </a:p>
-        </p:txBody>
-      </p:sp>
-      <p:sp>
-        <p:nvSpPr>
-          <p:cNvPr id="3" name="Text Placeholder 2">
-            <a:extLst>
-              <a:ext uri="{FF2B5EF4-FFF2-40B4-BE49-F238E27FC236}">
-                <a16:creationId xmlns:a16="http://schemas.microsoft.com/office/drawing/2014/main" id="{E1AFC3BE-E434-B044-8B18-916179AB11F0}"/>
-              </a:ext>
-            </a:extLst>
-          </p:cNvPr>
-          <p:cNvSpPr>
-            <a:spLocks noGrp="1"/>
-          </p:cNvSpPr>
-          <p:nvPr>
-            <p:ph type="body" sz="quarter" idx="10"/>
-          </p:nvPr>
-        </p:nvSpPr>
-        <p:spPr>
-          <a:xfrm>
-            <a:off x="628075" y="1776683"/>
-            <a:ext cx="12561453" cy="1826397"/>
-          </a:xfrm>
-        </p:spPr>
-        <p:txBody>
-          <a:bodyPr/>
-          <a:lstStyle/>
-          <a:p>
-            <a:r>
-              <a:rPr lang="en-US" dirty="0"/>
-              <a:t>One of the oldest documented search methods!</a:t>
-            </a:r>
-          </a:p>
-          <a:p>
-            <a:pPr lvl="1"/>
-            <a:r>
-              <a:rPr lang="en-US" dirty="0"/>
-              <a:t>Roman documentation for ‘address book’</a:t>
-            </a:r>
-          </a:p>
-          <a:p>
-            <a:r>
-              <a:rPr lang="en-US" dirty="0"/>
-              <a:t>Assumes list is sorted (like a phone book, or routing table)</a:t>
-            </a:r>
-          </a:p>
-          <a:p>
-            <a:endParaRPr lang="en-US" dirty="0"/>
-          </a:p>
-        </p:txBody>
-      </p:sp>
-      <p:sp>
-        <p:nvSpPr>
-          <p:cNvPr id="5" name="TextBox 4">
-            <a:extLst>
-              <a:ext uri="{FF2B5EF4-FFF2-40B4-BE49-F238E27FC236}">
-                <a16:creationId xmlns:a16="http://schemas.microsoft.com/office/drawing/2014/main" id="{5CCF21B0-6D44-DE48-B3A9-C20490FDCF6D}"/>
-              </a:ext>
-            </a:extLst>
-          </p:cNvPr>
-          <p:cNvSpPr txBox="1"/>
-          <p:nvPr/>
-        </p:nvSpPr>
-        <p:spPr>
-          <a:xfrm>
-            <a:off x="628072" y="3262758"/>
-            <a:ext cx="7518400" cy="3323987"/>
-          </a:xfrm>
-          <a:prstGeom prst="rect">
-            <a:avLst/>
-          </a:prstGeom>
-          <a:noFill/>
-        </p:spPr>
-        <p:txBody>
-          <a:bodyPr wrap="square">
-            <a:spAutoFit/>
-          </a:bodyPr>
-          <a:lstStyle/>
-          <a:p>
-            <a:r>
-              <a:rPr lang="en-US" sz="1400" dirty="0">
-                <a:solidFill>
-                  <a:srgbClr val="CC7832"/>
-                </a:solidFill>
-                <a:effectLst/>
-                <a:latin typeface="Consolas" panose="020B0609020204030204" pitchFamily="49" charset="0"/>
-                <a:cs typeface="Consolas" panose="020B0609020204030204" pitchFamily="49" charset="0"/>
-              </a:rPr>
-              <a:t>def </a:t>
-            </a:r>
-            <a:r>
-              <a:rPr lang="en-US" sz="1400" dirty="0" err="1">
-                <a:solidFill>
-                  <a:srgbClr val="FFC66D"/>
-                </a:solidFill>
-                <a:effectLst/>
-                <a:latin typeface="Consolas" panose="020B0609020204030204" pitchFamily="49" charset="0"/>
-                <a:cs typeface="Consolas" panose="020B0609020204030204" pitchFamily="49" charset="0"/>
-              </a:rPr>
-              <a:t>binary_search</a:t>
-            </a:r>
-            <a:r>
-              <a:rPr lang="en-US" sz="1400" dirty="0">
-                <a:latin typeface="Consolas" panose="020B0609020204030204" pitchFamily="49" charset="0"/>
-                <a:cs typeface="Consolas" panose="020B0609020204030204" pitchFamily="49" charset="0"/>
-              </a:rPr>
-              <a:t>(</a:t>
-            </a:r>
-            <a:r>
-              <a:rPr lang="en-US" sz="1400" dirty="0" err="1">
-                <a:latin typeface="Consolas" panose="020B0609020204030204" pitchFamily="49" charset="0"/>
-                <a:cs typeface="Consolas" panose="020B0609020204030204" pitchFamily="49" charset="0"/>
-              </a:rPr>
-              <a:t>sorted_list</a:t>
-            </a:r>
-            <a:r>
-              <a:rPr lang="en-US" sz="1400" dirty="0">
-                <a:solidFill>
-                  <a:srgbClr val="CC7832"/>
-                </a:solidFill>
-                <a:effectLst/>
-                <a:latin typeface="Consolas" panose="020B0609020204030204" pitchFamily="49" charset="0"/>
-                <a:cs typeface="Consolas" panose="020B0609020204030204" pitchFamily="49" charset="0"/>
-              </a:rPr>
-              <a:t>, </a:t>
-            </a:r>
-            <a:r>
-              <a:rPr lang="en-US" sz="1400" dirty="0">
-                <a:latin typeface="Consolas" panose="020B0609020204030204" pitchFamily="49" charset="0"/>
-                <a:cs typeface="Consolas" panose="020B0609020204030204" pitchFamily="49" charset="0"/>
-              </a:rPr>
-              <a:t>value</a:t>
-            </a:r>
-            <a:r>
-              <a:rPr lang="en-US" sz="1400" dirty="0">
-                <a:solidFill>
-                  <a:srgbClr val="CC7832"/>
-                </a:solidFill>
-                <a:effectLst/>
-                <a:latin typeface="Consolas" panose="020B0609020204030204" pitchFamily="49" charset="0"/>
-                <a:cs typeface="Consolas" panose="020B0609020204030204" pitchFamily="49" charset="0"/>
-              </a:rPr>
-              <a:t>, </a:t>
-            </a:r>
-            <a:r>
-              <a:rPr lang="en-US" sz="1400" dirty="0">
-                <a:latin typeface="Consolas" panose="020B0609020204030204" pitchFamily="49" charset="0"/>
-                <a:cs typeface="Consolas" panose="020B0609020204030204" pitchFamily="49" charset="0"/>
-              </a:rPr>
-              <a:t>start=</a:t>
-            </a:r>
-            <a:r>
-              <a:rPr lang="en-US" sz="1400" dirty="0">
-                <a:solidFill>
-                  <a:srgbClr val="6897BB"/>
-                </a:solidFill>
-                <a:effectLst/>
-                <a:latin typeface="Consolas" panose="020B0609020204030204" pitchFamily="49" charset="0"/>
-                <a:cs typeface="Consolas" panose="020B0609020204030204" pitchFamily="49" charset="0"/>
-              </a:rPr>
-              <a:t>0</a:t>
-            </a:r>
-            <a:r>
-              <a:rPr lang="en-US" sz="1400" dirty="0">
-                <a:solidFill>
-                  <a:srgbClr val="CC7832"/>
-                </a:solidFill>
-                <a:effectLst/>
-                <a:latin typeface="Consolas" panose="020B0609020204030204" pitchFamily="49" charset="0"/>
-                <a:cs typeface="Consolas" panose="020B0609020204030204" pitchFamily="49" charset="0"/>
-              </a:rPr>
-              <a:t>, </a:t>
-            </a:r>
-            <a:r>
-              <a:rPr lang="en-US" sz="1400" dirty="0">
-                <a:latin typeface="Consolas" panose="020B0609020204030204" pitchFamily="49" charset="0"/>
-                <a:cs typeface="Consolas" panose="020B0609020204030204" pitchFamily="49" charset="0"/>
-              </a:rPr>
-              <a:t>end=</a:t>
-            </a:r>
-            <a:r>
-              <a:rPr lang="en-US" sz="1400" dirty="0">
-                <a:solidFill>
-                  <a:srgbClr val="CC7832"/>
-                </a:solidFill>
-                <a:effectLst/>
-                <a:latin typeface="Consolas" panose="020B0609020204030204" pitchFamily="49" charset="0"/>
-                <a:cs typeface="Consolas" panose="020B0609020204030204" pitchFamily="49" charset="0"/>
-              </a:rPr>
-              <a:t>None</a:t>
-            </a:r>
-            <a:r>
-              <a:rPr lang="en-US" sz="1400" dirty="0">
-                <a:latin typeface="Consolas" panose="020B0609020204030204" pitchFamily="49" charset="0"/>
-                <a:cs typeface="Consolas" panose="020B0609020204030204" pitchFamily="49" charset="0"/>
-              </a:rPr>
-              <a:t>):</a:t>
-            </a:r>
-            <a:br>
-              <a:rPr lang="en-US" sz="1400" dirty="0">
-                <a:latin typeface="Consolas" panose="020B0609020204030204" pitchFamily="49" charset="0"/>
-                <a:cs typeface="Consolas" panose="020B0609020204030204" pitchFamily="49" charset="0"/>
-              </a:rPr>
-            </a:br>
-            <a:r>
-              <a:rPr lang="en-US" sz="1400" dirty="0">
-                <a:latin typeface="Consolas" panose="020B0609020204030204" pitchFamily="49" charset="0"/>
-                <a:cs typeface="Consolas" panose="020B0609020204030204" pitchFamily="49" charset="0"/>
-              </a:rPr>
-              <a:t>    </a:t>
-            </a:r>
-            <a:r>
-              <a:rPr lang="en-US" sz="1400" dirty="0">
-                <a:solidFill>
-                  <a:srgbClr val="CC7832"/>
-                </a:solidFill>
-                <a:effectLst/>
-                <a:latin typeface="Consolas" panose="020B0609020204030204" pitchFamily="49" charset="0"/>
-                <a:cs typeface="Consolas" panose="020B0609020204030204" pitchFamily="49" charset="0"/>
-              </a:rPr>
-              <a:t>if </a:t>
-            </a:r>
-            <a:r>
-              <a:rPr lang="en-US" sz="1400" dirty="0">
-                <a:latin typeface="Consolas" panose="020B0609020204030204" pitchFamily="49" charset="0"/>
-                <a:cs typeface="Consolas" panose="020B0609020204030204" pitchFamily="49" charset="0"/>
-              </a:rPr>
-              <a:t>end </a:t>
-            </a:r>
-            <a:r>
-              <a:rPr lang="en-US" sz="1400" dirty="0">
-                <a:solidFill>
-                  <a:srgbClr val="CC7832"/>
-                </a:solidFill>
-                <a:effectLst/>
-                <a:latin typeface="Consolas" panose="020B0609020204030204" pitchFamily="49" charset="0"/>
-                <a:cs typeface="Consolas" panose="020B0609020204030204" pitchFamily="49" charset="0"/>
-              </a:rPr>
-              <a:t>is None</a:t>
-            </a:r>
-            <a:r>
-              <a:rPr lang="en-US" sz="1400" dirty="0">
-                <a:latin typeface="Consolas" panose="020B0609020204030204" pitchFamily="49" charset="0"/>
-                <a:cs typeface="Consolas" panose="020B0609020204030204" pitchFamily="49" charset="0"/>
-              </a:rPr>
-              <a:t>:</a:t>
-            </a:r>
-            <a:br>
-              <a:rPr lang="en-US" sz="1400" dirty="0">
-                <a:latin typeface="Consolas" panose="020B0609020204030204" pitchFamily="49" charset="0"/>
-                <a:cs typeface="Consolas" panose="020B0609020204030204" pitchFamily="49" charset="0"/>
-              </a:rPr>
-            </a:br>
-            <a:r>
-              <a:rPr lang="en-US" sz="1400" dirty="0">
-                <a:latin typeface="Consolas" panose="020B0609020204030204" pitchFamily="49" charset="0"/>
-                <a:cs typeface="Consolas" panose="020B0609020204030204" pitchFamily="49" charset="0"/>
-              </a:rPr>
-              <a:t>        end = </a:t>
-            </a:r>
-            <a:r>
-              <a:rPr lang="en-US" sz="1400" dirty="0" err="1">
-                <a:solidFill>
-                  <a:srgbClr val="8888C6"/>
-                </a:solidFill>
-                <a:effectLst/>
-                <a:latin typeface="Consolas" panose="020B0609020204030204" pitchFamily="49" charset="0"/>
-                <a:cs typeface="Consolas" panose="020B0609020204030204" pitchFamily="49" charset="0"/>
-              </a:rPr>
-              <a:t>len</a:t>
-            </a:r>
-            <a:r>
-              <a:rPr lang="en-US" sz="1400" dirty="0">
-                <a:latin typeface="Consolas" panose="020B0609020204030204" pitchFamily="49" charset="0"/>
-                <a:cs typeface="Consolas" panose="020B0609020204030204" pitchFamily="49" charset="0"/>
-              </a:rPr>
-              <a:t>(</a:t>
-            </a:r>
-            <a:r>
-              <a:rPr lang="en-US" sz="1400" dirty="0" err="1">
-                <a:latin typeface="Consolas" panose="020B0609020204030204" pitchFamily="49" charset="0"/>
-                <a:cs typeface="Consolas" panose="020B0609020204030204" pitchFamily="49" charset="0"/>
-              </a:rPr>
-              <a:t>sorted_list</a:t>
-            </a:r>
-            <a:r>
-              <a:rPr lang="en-US" sz="1400" dirty="0">
-                <a:latin typeface="Consolas" panose="020B0609020204030204" pitchFamily="49" charset="0"/>
-                <a:cs typeface="Consolas" panose="020B0609020204030204" pitchFamily="49" charset="0"/>
-              </a:rPr>
-              <a:t>)</a:t>
-            </a:r>
-            <a:br>
-              <a:rPr lang="en-US" sz="1400" dirty="0">
-                <a:latin typeface="Consolas" panose="020B0609020204030204" pitchFamily="49" charset="0"/>
-                <a:cs typeface="Consolas" panose="020B0609020204030204" pitchFamily="49" charset="0"/>
-              </a:rPr>
-            </a:br>
-            <a:r>
-              <a:rPr lang="en-US" sz="1400" dirty="0">
-                <a:latin typeface="Consolas" panose="020B0609020204030204" pitchFamily="49" charset="0"/>
-                <a:cs typeface="Consolas" panose="020B0609020204030204" pitchFamily="49" charset="0"/>
-              </a:rPr>
-              <a:t>    </a:t>
-            </a:r>
-            <a:r>
-              <a:rPr lang="en-US" sz="1400" dirty="0">
-                <a:solidFill>
-                  <a:srgbClr val="CC7832"/>
-                </a:solidFill>
-                <a:effectLst/>
-                <a:latin typeface="Consolas" panose="020B0609020204030204" pitchFamily="49" charset="0"/>
-                <a:cs typeface="Consolas" panose="020B0609020204030204" pitchFamily="49" charset="0"/>
-              </a:rPr>
-              <a:t>if </a:t>
-            </a:r>
-            <a:r>
-              <a:rPr lang="en-US" sz="1400" dirty="0">
-                <a:latin typeface="Consolas" panose="020B0609020204030204" pitchFamily="49" charset="0"/>
-                <a:cs typeface="Consolas" panose="020B0609020204030204" pitchFamily="49" charset="0"/>
-              </a:rPr>
-              <a:t>(end - start)+</a:t>
-            </a:r>
-            <a:r>
-              <a:rPr lang="en-US" sz="1400" dirty="0">
-                <a:solidFill>
-                  <a:srgbClr val="6897BB"/>
-                </a:solidFill>
-                <a:effectLst/>
-                <a:latin typeface="Consolas" panose="020B0609020204030204" pitchFamily="49" charset="0"/>
-                <a:cs typeface="Consolas" panose="020B0609020204030204" pitchFamily="49" charset="0"/>
-              </a:rPr>
-              <a:t>1 </a:t>
-            </a:r>
-            <a:r>
-              <a:rPr lang="en-US" sz="1400" dirty="0">
-                <a:latin typeface="Consolas" panose="020B0609020204030204" pitchFamily="49" charset="0"/>
-                <a:cs typeface="Consolas" panose="020B0609020204030204" pitchFamily="49" charset="0"/>
-              </a:rPr>
-              <a:t>&lt; </a:t>
-            </a:r>
-            <a:r>
-              <a:rPr lang="en-US" sz="1400" dirty="0">
-                <a:solidFill>
-                  <a:srgbClr val="6897BB"/>
-                </a:solidFill>
-                <a:effectLst/>
-                <a:latin typeface="Consolas" panose="020B0609020204030204" pitchFamily="49" charset="0"/>
-                <a:cs typeface="Consolas" panose="020B0609020204030204" pitchFamily="49" charset="0"/>
-              </a:rPr>
-              <a:t>2</a:t>
-            </a:r>
-            <a:r>
-              <a:rPr lang="en-US" sz="1400" dirty="0">
-                <a:latin typeface="Consolas" panose="020B0609020204030204" pitchFamily="49" charset="0"/>
-                <a:cs typeface="Consolas" panose="020B0609020204030204" pitchFamily="49" charset="0"/>
-              </a:rPr>
-              <a:t>:</a:t>
-            </a:r>
-            <a:br>
-              <a:rPr lang="en-US" sz="1400" dirty="0">
-                <a:latin typeface="Consolas" panose="020B0609020204030204" pitchFamily="49" charset="0"/>
-                <a:cs typeface="Consolas" panose="020B0609020204030204" pitchFamily="49" charset="0"/>
-              </a:rPr>
-            </a:br>
-            <a:r>
-              <a:rPr lang="en-US" sz="1400" dirty="0">
-                <a:latin typeface="Consolas" panose="020B0609020204030204" pitchFamily="49" charset="0"/>
-                <a:cs typeface="Consolas" panose="020B0609020204030204" pitchFamily="49" charset="0"/>
-              </a:rPr>
-              <a:t>        </a:t>
-            </a:r>
-            <a:r>
-              <a:rPr lang="en-US" sz="1400" dirty="0">
-                <a:solidFill>
-                  <a:srgbClr val="CC7832"/>
-                </a:solidFill>
-                <a:effectLst/>
-                <a:latin typeface="Consolas" panose="020B0609020204030204" pitchFamily="49" charset="0"/>
-                <a:cs typeface="Consolas" panose="020B0609020204030204" pitchFamily="49" charset="0"/>
-              </a:rPr>
-              <a:t>return </a:t>
-            </a:r>
-            <a:r>
-              <a:rPr lang="en-US" sz="1400" dirty="0">
-                <a:latin typeface="Consolas" panose="020B0609020204030204" pitchFamily="49" charset="0"/>
-                <a:cs typeface="Consolas" panose="020B0609020204030204" pitchFamily="49" charset="0"/>
-              </a:rPr>
-              <a:t>-</a:t>
-            </a:r>
-            <a:r>
-              <a:rPr lang="en-US" sz="1400" dirty="0">
-                <a:solidFill>
-                  <a:srgbClr val="6897BB"/>
-                </a:solidFill>
-                <a:effectLst/>
-                <a:latin typeface="Consolas" panose="020B0609020204030204" pitchFamily="49" charset="0"/>
-                <a:cs typeface="Consolas" panose="020B0609020204030204" pitchFamily="49" charset="0"/>
-              </a:rPr>
-              <a:t>1</a:t>
-            </a:r>
-            <a:br>
-              <a:rPr lang="en-US" sz="1400" dirty="0">
-                <a:solidFill>
-                  <a:srgbClr val="6897BB"/>
-                </a:solidFill>
-                <a:effectLst/>
-                <a:latin typeface="Consolas" panose="020B0609020204030204" pitchFamily="49" charset="0"/>
-                <a:cs typeface="Consolas" panose="020B0609020204030204" pitchFamily="49" charset="0"/>
-              </a:rPr>
-            </a:br>
-            <a:r>
-              <a:rPr lang="en-US" sz="1400" dirty="0">
-                <a:solidFill>
-                  <a:srgbClr val="6897BB"/>
-                </a:solidFill>
-                <a:effectLst/>
-                <a:latin typeface="Consolas" panose="020B0609020204030204" pitchFamily="49" charset="0"/>
-                <a:cs typeface="Consolas" panose="020B0609020204030204" pitchFamily="49" charset="0"/>
-              </a:rPr>
-              <a:t>    </a:t>
-            </a:r>
-            <a:r>
-              <a:rPr lang="en-US" sz="1400" dirty="0">
-                <a:solidFill>
-                  <a:srgbClr val="808080"/>
-                </a:solidFill>
-                <a:effectLst/>
-                <a:latin typeface="Consolas" panose="020B0609020204030204" pitchFamily="49" charset="0"/>
-                <a:cs typeface="Consolas" panose="020B0609020204030204" pitchFamily="49" charset="0"/>
-              </a:rPr>
-              <a:t>## get middle index!</a:t>
-            </a:r>
-            <a:br>
-              <a:rPr lang="en-US" sz="1400" dirty="0">
-                <a:solidFill>
-                  <a:srgbClr val="808080"/>
-                </a:solidFill>
-                <a:effectLst/>
-                <a:latin typeface="Consolas" panose="020B0609020204030204" pitchFamily="49" charset="0"/>
-                <a:cs typeface="Consolas" panose="020B0609020204030204" pitchFamily="49" charset="0"/>
-              </a:rPr>
-            </a:br>
-            <a:r>
-              <a:rPr lang="en-US" sz="1400" dirty="0">
-                <a:solidFill>
-                  <a:srgbClr val="808080"/>
-                </a:solidFill>
-                <a:effectLst/>
-                <a:latin typeface="Consolas" panose="020B0609020204030204" pitchFamily="49" charset="0"/>
-                <a:cs typeface="Consolas" panose="020B0609020204030204" pitchFamily="49" charset="0"/>
-              </a:rPr>
-              <a:t>    </a:t>
-            </a:r>
-            <a:r>
-              <a:rPr lang="en-US" sz="1400" dirty="0">
-                <a:latin typeface="Consolas" panose="020B0609020204030204" pitchFamily="49" charset="0"/>
-                <a:cs typeface="Consolas" panose="020B0609020204030204" pitchFamily="49" charset="0"/>
-              </a:rPr>
-              <a:t>middle = (</a:t>
-            </a:r>
-            <a:r>
-              <a:rPr lang="en-US" sz="1400" dirty="0" err="1">
-                <a:latin typeface="Consolas" panose="020B0609020204030204" pitchFamily="49" charset="0"/>
-                <a:cs typeface="Consolas" panose="020B0609020204030204" pitchFamily="49" charset="0"/>
-              </a:rPr>
-              <a:t>end+start</a:t>
-            </a:r>
-            <a:r>
-              <a:rPr lang="en-US" sz="1400" dirty="0">
-                <a:latin typeface="Consolas" panose="020B0609020204030204" pitchFamily="49" charset="0"/>
-                <a:cs typeface="Consolas" panose="020B0609020204030204" pitchFamily="49" charset="0"/>
-              </a:rPr>
-              <a:t>) // </a:t>
-            </a:r>
-            <a:r>
-              <a:rPr lang="en-US" sz="1400" dirty="0">
-                <a:solidFill>
-                  <a:srgbClr val="6897BB"/>
-                </a:solidFill>
-                <a:effectLst/>
-                <a:latin typeface="Consolas" panose="020B0609020204030204" pitchFamily="49" charset="0"/>
-                <a:cs typeface="Consolas" panose="020B0609020204030204" pitchFamily="49" charset="0"/>
-              </a:rPr>
-              <a:t>2 </a:t>
-            </a:r>
-            <a:r>
-              <a:rPr lang="en-US" sz="1400" dirty="0">
-                <a:solidFill>
-                  <a:srgbClr val="808080"/>
-                </a:solidFill>
-                <a:effectLst/>
-                <a:latin typeface="Consolas" panose="020B0609020204030204" pitchFamily="49" charset="0"/>
-                <a:cs typeface="Consolas" panose="020B0609020204030204" pitchFamily="49" charset="0"/>
-              </a:rPr>
-              <a:t>#notice // why?</a:t>
-            </a:r>
-            <a:br>
-              <a:rPr lang="en-US" sz="1400" dirty="0">
-                <a:solidFill>
-                  <a:srgbClr val="808080"/>
-                </a:solidFill>
-                <a:effectLst/>
-                <a:latin typeface="Consolas" panose="020B0609020204030204" pitchFamily="49" charset="0"/>
-                <a:cs typeface="Consolas" panose="020B0609020204030204" pitchFamily="49" charset="0"/>
-              </a:rPr>
-            </a:br>
-            <a:r>
-              <a:rPr lang="en-US" sz="1400" dirty="0">
-                <a:solidFill>
-                  <a:srgbClr val="808080"/>
-                </a:solidFill>
-                <a:effectLst/>
-                <a:latin typeface="Consolas" panose="020B0609020204030204" pitchFamily="49" charset="0"/>
-                <a:cs typeface="Consolas" panose="020B0609020204030204" pitchFamily="49" charset="0"/>
-              </a:rPr>
-              <a:t>    </a:t>
-            </a:r>
-            <a:r>
-              <a:rPr lang="en-US" sz="1400" dirty="0">
-                <a:solidFill>
-                  <a:srgbClr val="CC7832"/>
-                </a:solidFill>
-                <a:effectLst/>
-                <a:latin typeface="Consolas" panose="020B0609020204030204" pitchFamily="49" charset="0"/>
-                <a:cs typeface="Consolas" panose="020B0609020204030204" pitchFamily="49" charset="0"/>
-              </a:rPr>
-              <a:t>if </a:t>
-            </a:r>
-            <a:r>
-              <a:rPr lang="en-US" sz="1400" dirty="0">
-                <a:latin typeface="Consolas" panose="020B0609020204030204" pitchFamily="49" charset="0"/>
-                <a:cs typeface="Consolas" panose="020B0609020204030204" pitchFamily="49" charset="0"/>
-              </a:rPr>
-              <a:t>value == </a:t>
-            </a:r>
-            <a:r>
-              <a:rPr lang="en-US" sz="1400" dirty="0" err="1">
-                <a:latin typeface="Consolas" panose="020B0609020204030204" pitchFamily="49" charset="0"/>
-                <a:cs typeface="Consolas" panose="020B0609020204030204" pitchFamily="49" charset="0"/>
-              </a:rPr>
-              <a:t>sorted_list</a:t>
-            </a:r>
-            <a:r>
-              <a:rPr lang="en-US" sz="1400" dirty="0">
-                <a:latin typeface="Consolas" panose="020B0609020204030204" pitchFamily="49" charset="0"/>
-                <a:cs typeface="Consolas" panose="020B0609020204030204" pitchFamily="49" charset="0"/>
-              </a:rPr>
-              <a:t>[middle]:</a:t>
-            </a:r>
-            <a:br>
-              <a:rPr lang="en-US" sz="1400" dirty="0">
-                <a:latin typeface="Consolas" panose="020B0609020204030204" pitchFamily="49" charset="0"/>
-                <a:cs typeface="Consolas" panose="020B0609020204030204" pitchFamily="49" charset="0"/>
-              </a:rPr>
-            </a:br>
-            <a:r>
-              <a:rPr lang="en-US" sz="1400" dirty="0">
-                <a:latin typeface="Consolas" panose="020B0609020204030204" pitchFamily="49" charset="0"/>
-                <a:cs typeface="Consolas" panose="020B0609020204030204" pitchFamily="49" charset="0"/>
-              </a:rPr>
-              <a:t>        index = middle</a:t>
-            </a:r>
-            <a:br>
-              <a:rPr lang="en-US" sz="1400" dirty="0">
-                <a:latin typeface="Consolas" panose="020B0609020204030204" pitchFamily="49" charset="0"/>
-                <a:cs typeface="Consolas" panose="020B0609020204030204" pitchFamily="49" charset="0"/>
-              </a:rPr>
-            </a:br>
-            <a:r>
-              <a:rPr lang="en-US" sz="1400" dirty="0">
-                <a:latin typeface="Consolas" panose="020B0609020204030204" pitchFamily="49" charset="0"/>
-                <a:cs typeface="Consolas" panose="020B0609020204030204" pitchFamily="49" charset="0"/>
-              </a:rPr>
-              <a:t>    </a:t>
-            </a:r>
-            <a:r>
-              <a:rPr lang="en-US" sz="1400" dirty="0" err="1">
-                <a:solidFill>
-                  <a:srgbClr val="CC7832"/>
-                </a:solidFill>
-                <a:effectLst/>
-                <a:latin typeface="Consolas" panose="020B0609020204030204" pitchFamily="49" charset="0"/>
-                <a:cs typeface="Consolas" panose="020B0609020204030204" pitchFamily="49" charset="0"/>
-              </a:rPr>
-              <a:t>elif</a:t>
-            </a:r>
-            <a:r>
-              <a:rPr lang="en-US" sz="1400" dirty="0">
-                <a:solidFill>
-                  <a:srgbClr val="CC7832"/>
-                </a:solidFill>
-                <a:effectLst/>
-                <a:latin typeface="Consolas" panose="020B0609020204030204" pitchFamily="49" charset="0"/>
-                <a:cs typeface="Consolas" panose="020B0609020204030204" pitchFamily="49" charset="0"/>
-              </a:rPr>
-              <a:t> </a:t>
-            </a:r>
-            <a:r>
-              <a:rPr lang="en-US" sz="1400" dirty="0">
-                <a:latin typeface="Consolas" panose="020B0609020204030204" pitchFamily="49" charset="0"/>
-                <a:cs typeface="Consolas" panose="020B0609020204030204" pitchFamily="49" charset="0"/>
-              </a:rPr>
-              <a:t>value &lt; </a:t>
-            </a:r>
-            <a:r>
-              <a:rPr lang="en-US" sz="1400" dirty="0" err="1">
-                <a:latin typeface="Consolas" panose="020B0609020204030204" pitchFamily="49" charset="0"/>
-                <a:cs typeface="Consolas" panose="020B0609020204030204" pitchFamily="49" charset="0"/>
-              </a:rPr>
-              <a:t>sorted_list</a:t>
-            </a:r>
-            <a:r>
-              <a:rPr lang="en-US" sz="1400" dirty="0">
-                <a:latin typeface="Consolas" panose="020B0609020204030204" pitchFamily="49" charset="0"/>
-                <a:cs typeface="Consolas" panose="020B0609020204030204" pitchFamily="49" charset="0"/>
-              </a:rPr>
-              <a:t>[middle]:</a:t>
-            </a:r>
-            <a:br>
-              <a:rPr lang="en-US" sz="1400" dirty="0">
-                <a:solidFill>
-                  <a:srgbClr val="808080"/>
-                </a:solidFill>
-                <a:effectLst/>
-                <a:latin typeface="Consolas" panose="020B0609020204030204" pitchFamily="49" charset="0"/>
-                <a:cs typeface="Consolas" panose="020B0609020204030204" pitchFamily="49" charset="0"/>
-              </a:rPr>
-            </a:br>
-            <a:r>
-              <a:rPr lang="en-US" sz="1400" dirty="0">
-                <a:solidFill>
-                  <a:srgbClr val="808080"/>
-                </a:solidFill>
-                <a:effectLst/>
-                <a:latin typeface="Consolas" panose="020B0609020204030204" pitchFamily="49" charset="0"/>
-                <a:cs typeface="Consolas" panose="020B0609020204030204" pitchFamily="49" charset="0"/>
-              </a:rPr>
-              <a:t>        </a:t>
-            </a:r>
-            <a:r>
-              <a:rPr lang="en-US" sz="1400" dirty="0">
-                <a:latin typeface="Consolas" panose="020B0609020204030204" pitchFamily="49" charset="0"/>
-                <a:cs typeface="Consolas" panose="020B0609020204030204" pitchFamily="49" charset="0"/>
-              </a:rPr>
-              <a:t>index = </a:t>
-            </a:r>
-            <a:r>
-              <a:rPr lang="en-US" sz="1400" dirty="0" err="1">
-                <a:latin typeface="Consolas" panose="020B0609020204030204" pitchFamily="49" charset="0"/>
-                <a:cs typeface="Consolas" panose="020B0609020204030204" pitchFamily="49" charset="0"/>
-              </a:rPr>
-              <a:t>binary_search</a:t>
-            </a:r>
-            <a:r>
-              <a:rPr lang="en-US" sz="1400" dirty="0">
-                <a:latin typeface="Consolas" panose="020B0609020204030204" pitchFamily="49" charset="0"/>
-                <a:cs typeface="Consolas" panose="020B0609020204030204" pitchFamily="49" charset="0"/>
-              </a:rPr>
-              <a:t>(</a:t>
-            </a:r>
-            <a:r>
-              <a:rPr lang="en-US" sz="1400" dirty="0" err="1">
-                <a:latin typeface="Consolas" panose="020B0609020204030204" pitchFamily="49" charset="0"/>
-                <a:cs typeface="Consolas" panose="020B0609020204030204" pitchFamily="49" charset="0"/>
-              </a:rPr>
-              <a:t>sorted_list</a:t>
-            </a:r>
-            <a:r>
-              <a:rPr lang="en-US" sz="1400" dirty="0">
-                <a:solidFill>
-                  <a:srgbClr val="CC7832"/>
-                </a:solidFill>
-                <a:effectLst/>
-                <a:latin typeface="Consolas" panose="020B0609020204030204" pitchFamily="49" charset="0"/>
-                <a:cs typeface="Consolas" panose="020B0609020204030204" pitchFamily="49" charset="0"/>
-              </a:rPr>
-              <a:t>, </a:t>
-            </a:r>
-            <a:r>
-              <a:rPr lang="en-US" sz="1400" dirty="0">
-                <a:latin typeface="Consolas" panose="020B0609020204030204" pitchFamily="49" charset="0"/>
-                <a:cs typeface="Consolas" panose="020B0609020204030204" pitchFamily="49" charset="0"/>
-              </a:rPr>
-              <a:t>value</a:t>
-            </a:r>
-            <a:r>
-              <a:rPr lang="en-US" sz="1400" dirty="0">
-                <a:solidFill>
-                  <a:srgbClr val="CC7832"/>
-                </a:solidFill>
-                <a:effectLst/>
-                <a:latin typeface="Consolas" panose="020B0609020204030204" pitchFamily="49" charset="0"/>
-                <a:cs typeface="Consolas" panose="020B0609020204030204" pitchFamily="49" charset="0"/>
-              </a:rPr>
-              <a:t>, </a:t>
-            </a:r>
-            <a:r>
-              <a:rPr lang="en-US" sz="1400" dirty="0">
-                <a:solidFill>
-                  <a:srgbClr val="AA4926"/>
-                </a:solidFill>
-                <a:effectLst/>
-                <a:latin typeface="Consolas" panose="020B0609020204030204" pitchFamily="49" charset="0"/>
-                <a:cs typeface="Consolas" panose="020B0609020204030204" pitchFamily="49" charset="0"/>
-              </a:rPr>
-              <a:t>start</a:t>
-            </a:r>
-            <a:r>
-              <a:rPr lang="en-US" sz="1400" dirty="0">
-                <a:latin typeface="Consolas" panose="020B0609020204030204" pitchFamily="49" charset="0"/>
-                <a:cs typeface="Consolas" panose="020B0609020204030204" pitchFamily="49" charset="0"/>
-              </a:rPr>
-              <a:t>=</a:t>
-            </a:r>
-            <a:r>
-              <a:rPr lang="en-US" sz="1400" dirty="0">
-                <a:solidFill>
-                  <a:srgbClr val="6897BB"/>
-                </a:solidFill>
-                <a:effectLst/>
-                <a:latin typeface="Consolas" panose="020B0609020204030204" pitchFamily="49" charset="0"/>
-                <a:cs typeface="Consolas" panose="020B0609020204030204" pitchFamily="49" charset="0"/>
-              </a:rPr>
-              <a:t>0</a:t>
-            </a:r>
-            <a:r>
-              <a:rPr lang="en-US" sz="1400" dirty="0">
-                <a:solidFill>
-                  <a:srgbClr val="CC7832"/>
-                </a:solidFill>
-                <a:effectLst/>
-                <a:latin typeface="Consolas" panose="020B0609020204030204" pitchFamily="49" charset="0"/>
-                <a:cs typeface="Consolas" panose="020B0609020204030204" pitchFamily="49" charset="0"/>
-              </a:rPr>
-              <a:t>, </a:t>
-            </a:r>
-            <a:r>
-              <a:rPr lang="en-US" sz="1400" dirty="0">
-                <a:solidFill>
-                  <a:srgbClr val="AA4926"/>
-                </a:solidFill>
-                <a:effectLst/>
-                <a:latin typeface="Consolas" panose="020B0609020204030204" pitchFamily="49" charset="0"/>
-                <a:cs typeface="Consolas" panose="020B0609020204030204" pitchFamily="49" charset="0"/>
-              </a:rPr>
-              <a:t>end</a:t>
-            </a:r>
-            <a:r>
-              <a:rPr lang="en-US" sz="1400" dirty="0">
-                <a:latin typeface="Consolas" panose="020B0609020204030204" pitchFamily="49" charset="0"/>
-                <a:cs typeface="Consolas" panose="020B0609020204030204" pitchFamily="49" charset="0"/>
-              </a:rPr>
-              <a:t>=middle)</a:t>
-            </a:r>
-            <a:br>
-              <a:rPr lang="en-US" sz="1400" dirty="0">
-                <a:latin typeface="Consolas" panose="020B0609020204030204" pitchFamily="49" charset="0"/>
-                <a:cs typeface="Consolas" panose="020B0609020204030204" pitchFamily="49" charset="0"/>
-              </a:rPr>
-            </a:br>
-            <a:r>
-              <a:rPr lang="en-US" sz="1400" dirty="0">
-                <a:latin typeface="Consolas" panose="020B0609020204030204" pitchFamily="49" charset="0"/>
-                <a:cs typeface="Consolas" panose="020B0609020204030204" pitchFamily="49" charset="0"/>
-              </a:rPr>
-              <a:t>    </a:t>
-            </a:r>
-            <a:r>
-              <a:rPr lang="en-US" sz="1400" dirty="0">
-                <a:solidFill>
-                  <a:srgbClr val="CC7832"/>
-                </a:solidFill>
-                <a:effectLst/>
-                <a:latin typeface="Consolas" panose="020B0609020204030204" pitchFamily="49" charset="0"/>
-                <a:cs typeface="Consolas" panose="020B0609020204030204" pitchFamily="49" charset="0"/>
-              </a:rPr>
-              <a:t>else</a:t>
-            </a:r>
-            <a:r>
-              <a:rPr lang="en-US" sz="1400" dirty="0">
-                <a:latin typeface="Consolas" panose="020B0609020204030204" pitchFamily="49" charset="0"/>
-                <a:cs typeface="Consolas" panose="020B0609020204030204" pitchFamily="49" charset="0"/>
-              </a:rPr>
-              <a:t>:</a:t>
-            </a:r>
-            <a:br>
-              <a:rPr lang="en-US" sz="1400" dirty="0">
-                <a:solidFill>
-                  <a:srgbClr val="808080"/>
-                </a:solidFill>
-                <a:effectLst/>
-                <a:latin typeface="Consolas" panose="020B0609020204030204" pitchFamily="49" charset="0"/>
-                <a:cs typeface="Consolas" panose="020B0609020204030204" pitchFamily="49" charset="0"/>
-              </a:rPr>
-            </a:br>
-            <a:r>
-              <a:rPr lang="en-US" sz="1400" dirty="0">
-                <a:solidFill>
-                  <a:srgbClr val="808080"/>
-                </a:solidFill>
-                <a:effectLst/>
-                <a:latin typeface="Consolas" panose="020B0609020204030204" pitchFamily="49" charset="0"/>
-                <a:cs typeface="Consolas" panose="020B0609020204030204" pitchFamily="49" charset="0"/>
-              </a:rPr>
-              <a:t>        </a:t>
-            </a:r>
-            <a:r>
-              <a:rPr lang="en-US" sz="1400" dirty="0">
-                <a:latin typeface="Consolas" panose="020B0609020204030204" pitchFamily="49" charset="0"/>
-                <a:cs typeface="Consolas" panose="020B0609020204030204" pitchFamily="49" charset="0"/>
-              </a:rPr>
-              <a:t>index = </a:t>
-            </a:r>
-            <a:r>
-              <a:rPr lang="en-US" sz="1400" dirty="0" err="1">
-                <a:latin typeface="Consolas" panose="020B0609020204030204" pitchFamily="49" charset="0"/>
-                <a:cs typeface="Consolas" panose="020B0609020204030204" pitchFamily="49" charset="0"/>
-              </a:rPr>
-              <a:t>binary_search</a:t>
-            </a:r>
-            <a:r>
-              <a:rPr lang="en-US" sz="1400" dirty="0">
-                <a:latin typeface="Consolas" panose="020B0609020204030204" pitchFamily="49" charset="0"/>
-                <a:cs typeface="Consolas" panose="020B0609020204030204" pitchFamily="49" charset="0"/>
-              </a:rPr>
-              <a:t>(</a:t>
-            </a:r>
-            <a:r>
-              <a:rPr lang="en-US" sz="1400" dirty="0" err="1">
-                <a:latin typeface="Consolas" panose="020B0609020204030204" pitchFamily="49" charset="0"/>
-                <a:cs typeface="Consolas" panose="020B0609020204030204" pitchFamily="49" charset="0"/>
-              </a:rPr>
-              <a:t>sorted_list</a:t>
-            </a:r>
-            <a:r>
-              <a:rPr lang="en-US" sz="1400" dirty="0">
-                <a:solidFill>
-                  <a:srgbClr val="CC7832"/>
-                </a:solidFill>
-                <a:effectLst/>
-                <a:latin typeface="Consolas" panose="020B0609020204030204" pitchFamily="49" charset="0"/>
-                <a:cs typeface="Consolas" panose="020B0609020204030204" pitchFamily="49" charset="0"/>
-              </a:rPr>
-              <a:t>, </a:t>
-            </a:r>
-            <a:r>
-              <a:rPr lang="en-US" sz="1400" dirty="0">
-                <a:latin typeface="Consolas" panose="020B0609020204030204" pitchFamily="49" charset="0"/>
-                <a:cs typeface="Consolas" panose="020B0609020204030204" pitchFamily="49" charset="0"/>
-              </a:rPr>
-              <a:t>value</a:t>
-            </a:r>
-            <a:r>
-              <a:rPr lang="en-US" sz="1400" dirty="0">
-                <a:solidFill>
-                  <a:srgbClr val="CC7832"/>
-                </a:solidFill>
-                <a:effectLst/>
-                <a:latin typeface="Consolas" panose="020B0609020204030204" pitchFamily="49" charset="0"/>
-                <a:cs typeface="Consolas" panose="020B0609020204030204" pitchFamily="49" charset="0"/>
-              </a:rPr>
-              <a:t>, </a:t>
-            </a:r>
-            <a:r>
-              <a:rPr lang="en-US" sz="1400" dirty="0">
-                <a:solidFill>
-                  <a:srgbClr val="AA4926"/>
-                </a:solidFill>
-                <a:effectLst/>
-                <a:latin typeface="Consolas" panose="020B0609020204030204" pitchFamily="49" charset="0"/>
-                <a:cs typeface="Consolas" panose="020B0609020204030204" pitchFamily="49" charset="0"/>
-              </a:rPr>
-              <a:t>start</a:t>
-            </a:r>
-            <a:r>
-              <a:rPr lang="en-US" sz="1400" dirty="0">
-                <a:latin typeface="Consolas" panose="020B0609020204030204" pitchFamily="49" charset="0"/>
-                <a:cs typeface="Consolas" panose="020B0609020204030204" pitchFamily="49" charset="0"/>
-              </a:rPr>
-              <a:t>=middle+</a:t>
-            </a:r>
-            <a:r>
-              <a:rPr lang="en-US" sz="1400" dirty="0">
-                <a:solidFill>
-                  <a:srgbClr val="6897BB"/>
-                </a:solidFill>
-                <a:effectLst/>
-                <a:latin typeface="Consolas" panose="020B0609020204030204" pitchFamily="49" charset="0"/>
-                <a:cs typeface="Consolas" panose="020B0609020204030204" pitchFamily="49" charset="0"/>
-              </a:rPr>
-              <a:t>1</a:t>
-            </a:r>
-            <a:r>
-              <a:rPr lang="en-US" sz="1400" dirty="0">
-                <a:solidFill>
-                  <a:srgbClr val="CC7832"/>
-                </a:solidFill>
-                <a:effectLst/>
-                <a:latin typeface="Consolas" panose="020B0609020204030204" pitchFamily="49" charset="0"/>
-                <a:cs typeface="Consolas" panose="020B0609020204030204" pitchFamily="49" charset="0"/>
-              </a:rPr>
-              <a:t>, </a:t>
-            </a:r>
-            <a:r>
-              <a:rPr lang="en-US" sz="1400" dirty="0">
-                <a:solidFill>
-                  <a:srgbClr val="AA4926"/>
-                </a:solidFill>
-                <a:effectLst/>
-                <a:latin typeface="Consolas" panose="020B0609020204030204" pitchFamily="49" charset="0"/>
-                <a:cs typeface="Consolas" panose="020B0609020204030204" pitchFamily="49" charset="0"/>
-              </a:rPr>
-              <a:t>end</a:t>
-            </a:r>
-            <a:r>
-              <a:rPr lang="en-US" sz="1400" dirty="0">
-                <a:latin typeface="Consolas" panose="020B0609020204030204" pitchFamily="49" charset="0"/>
-                <a:cs typeface="Consolas" panose="020B0609020204030204" pitchFamily="49" charset="0"/>
-              </a:rPr>
-              <a:t>=end)</a:t>
-            </a:r>
-            <a:br>
-              <a:rPr lang="en-US" sz="1400" dirty="0">
-                <a:latin typeface="Consolas" panose="020B0609020204030204" pitchFamily="49" charset="0"/>
-                <a:cs typeface="Consolas" panose="020B0609020204030204" pitchFamily="49" charset="0"/>
-              </a:rPr>
-            </a:br>
-            <a:r>
-              <a:rPr lang="en-US" sz="1400" dirty="0">
-                <a:latin typeface="Consolas" panose="020B0609020204030204" pitchFamily="49" charset="0"/>
-                <a:cs typeface="Consolas" panose="020B0609020204030204" pitchFamily="49" charset="0"/>
-              </a:rPr>
-              <a:t>    </a:t>
-            </a:r>
-            <a:r>
-              <a:rPr lang="en-US" sz="1400" dirty="0">
-                <a:solidFill>
-                  <a:srgbClr val="CC7832"/>
-                </a:solidFill>
-                <a:effectLst/>
-                <a:latin typeface="Consolas" panose="020B0609020204030204" pitchFamily="49" charset="0"/>
-                <a:cs typeface="Consolas" panose="020B0609020204030204" pitchFamily="49" charset="0"/>
-              </a:rPr>
-              <a:t>return </a:t>
-            </a:r>
-            <a:r>
-              <a:rPr lang="en-US" sz="1400" dirty="0">
-                <a:latin typeface="Consolas" panose="020B0609020204030204" pitchFamily="49" charset="0"/>
-                <a:cs typeface="Consolas" panose="020B0609020204030204" pitchFamily="49" charset="0"/>
-              </a:rPr>
-              <a:t>index</a:t>
-            </a:r>
-            <a:br>
-              <a:rPr lang="en-US" sz="1400" dirty="0">
-                <a:latin typeface="Consolas" panose="020B0609020204030204" pitchFamily="49" charset="0"/>
-                <a:cs typeface="Consolas" panose="020B0609020204030204" pitchFamily="49" charset="0"/>
-              </a:rPr>
-            </a:br>
-            <a:endParaRPr lang="en-US" sz="1400" dirty="0">
-              <a:latin typeface="Consolas" panose="020B0609020204030204" pitchFamily="49" charset="0"/>
-              <a:cs typeface="Consolas" panose="020B0609020204030204" pitchFamily="49" charset="0"/>
-            </a:endParaRPr>
-          </a:p>
-        </p:txBody>
-      </p:sp>
-    </p:spTree>
-    <p:extLst>
-      <p:ext uri="{BB962C8B-B14F-4D97-AF65-F5344CB8AC3E}">
-        <p14:creationId xmlns:p14="http://schemas.microsoft.com/office/powerpoint/2010/main" val="1721790103"/>
-      </p:ext>
-    </p:extLst>
-  </p:cSld>
-  <p:clrMapOvr>
-    <a:masterClrMapping/>
-  </p:clrMapOvr>
-  <mc:AlternateContent xmlns:mc="http://schemas.openxmlformats.org/markup-compatibility/2006">
-    <mc:Choice xmlns:p14="http://schemas.microsoft.com/office/powerpoint/2010/main" Requires="p14">
-      <p:transition p14:dur="300">
-        <p:fade/>
-      </p:transition>
-    </mc:Choice>
-    <mc:Fallback>
-      <p:transition>
-        <p:fade/>
-      </p:transition>
-    </mc:Fallback>
-  </mc:AlternateContent>
-</p:sld>
-</file>
-
-<file path=ppt/slides/slide13.xml><?xml version="1.0" encoding="utf-8"?>
-<p:sld xmlns:a="http://schemas.openxmlformats.org/drawingml/2006/main" xmlns:r="http://schemas.openxmlformats.org/officeDocument/2006/relationships" xmlns:p="http://schemas.openxmlformats.org/presentationml/2006/main" show="0">
-  <p:cSld>
-    <p:spTree>
-      <p:nvGrpSpPr>
-        <p:cNvPr id="1" name=""/>
-        <p:cNvGrpSpPr/>
-        <p:nvPr/>
-      </p:nvGrpSpPr>
-      <p:grpSpPr>
-        <a:xfrm>
-          <a:off x="0" y="0"/>
-          <a:ext cx="0" cy="0"/>
-          <a:chOff x="0" y="0"/>
-          <a:chExt cx="0" cy="0"/>
-        </a:xfrm>
-      </p:grpSpPr>
-      <p:sp>
-        <p:nvSpPr>
-          <p:cNvPr id="2" name="Title 1">
-            <a:extLst>
-              <a:ext uri="{FF2B5EF4-FFF2-40B4-BE49-F238E27FC236}">
                 <a16:creationId xmlns:a16="http://schemas.microsoft.com/office/drawing/2014/main" id="{F43DDF13-0764-E342-8F93-562E60337900}"/>
               </a:ext>
             </a:extLst>
@@ -11582,13 +11273,13 @@
   <p:clrMapOvr>
     <a:masterClrMapping/>
   </p:clrMapOvr>
-  <mc:AlternateContent xmlns:mc="http://schemas.openxmlformats.org/markup-compatibility/2006">
-    <mc:Choice xmlns:p14="http://schemas.microsoft.com/office/powerpoint/2010/main" Requires="p14">
+  <mc:AlternateContent xmlns:mc="http://schemas.openxmlformats.org/markup-compatibility/2006" xmlns:p14="http://schemas.microsoft.com/office/powerpoint/2010/main">
+    <mc:Choice Requires="p14">
       <p:transition p14:dur="300">
         <p:fade/>
       </p:transition>
     </mc:Choice>
-    <mc:Fallback>
+    <mc:Fallback xmlns="">
       <p:transition>
         <p:fade/>
       </p:transition>
@@ -12146,7 +11837,417 @@
 </p:sld>
 </file>
 
+<file path=ppt/slides/slide12.xml><?xml version="1.0" encoding="utf-8"?>
+<p:sld xmlns:a="http://schemas.openxmlformats.org/drawingml/2006/main" xmlns:r="http://schemas.openxmlformats.org/officeDocument/2006/relationships" xmlns:p="http://schemas.openxmlformats.org/presentationml/2006/main" show="0">
+  <p:cSld>
+    <p:spTree>
+      <p:nvGrpSpPr>
+        <p:cNvPr id="1" name=""/>
+        <p:cNvGrpSpPr/>
+        <p:nvPr/>
+      </p:nvGrpSpPr>
+      <p:grpSpPr>
+        <a:xfrm>
+          <a:off x="0" y="0"/>
+          <a:ext cx="0" cy="0"/>
+          <a:chOff x="0" y="0"/>
+          <a:chExt cx="0" cy="0"/>
+        </a:xfrm>
+      </p:grpSpPr>
+      <p:sp>
+        <p:nvSpPr>
+          <p:cNvPr id="2" name="Title 1">
+            <a:extLst>
+              <a:ext uri="{FF2B5EF4-FFF2-40B4-BE49-F238E27FC236}">
+                <a16:creationId xmlns:a16="http://schemas.microsoft.com/office/drawing/2014/main" id="{F8443DA5-CF80-42BC-AFB9-0B84D09A072A}"/>
+              </a:ext>
+            </a:extLst>
+          </p:cNvPr>
+          <p:cNvSpPr>
+            <a:spLocks noGrp="1"/>
+          </p:cNvSpPr>
+          <p:nvPr>
+            <p:ph type="title"/>
+          </p:nvPr>
+        </p:nvSpPr>
+        <p:spPr>
+          <a:xfrm>
+            <a:off x="3445328" y="2799373"/>
+            <a:ext cx="9744199" cy="1015663"/>
+          </a:xfrm>
+        </p:spPr>
+        <p:txBody>
+          <a:bodyPr/>
+          <a:lstStyle/>
+          <a:p>
+            <a:r>
+              <a:rPr lang="en-US" dirty="0"/>
+              <a:t>More Recursion </a:t>
+            </a:r>
+          </a:p>
+        </p:txBody>
+      </p:sp>
+      <p:sp>
+        <p:nvSpPr>
+          <p:cNvPr id="4" name="Text Placeholder 3">
+            <a:extLst>
+              <a:ext uri="{FF2B5EF4-FFF2-40B4-BE49-F238E27FC236}">
+                <a16:creationId xmlns:a16="http://schemas.microsoft.com/office/drawing/2014/main" id="{36830EDF-82C3-4D4E-8F52-61F2DB42DA11}"/>
+              </a:ext>
+            </a:extLst>
+          </p:cNvPr>
+          <p:cNvSpPr>
+            <a:spLocks noGrp="1"/>
+          </p:cNvSpPr>
+          <p:nvPr>
+            <p:ph type="body" sz="quarter" idx="10"/>
+          </p:nvPr>
+        </p:nvSpPr>
+        <p:spPr/>
+        <p:txBody>
+          <a:bodyPr/>
+          <a:lstStyle/>
+          <a:p>
+            <a:endParaRPr lang="en-US" dirty="0"/>
+          </a:p>
+        </p:txBody>
+      </p:sp>
+    </p:spTree>
+    <p:extLst>
+      <p:ext uri="{BB962C8B-B14F-4D97-AF65-F5344CB8AC3E}">
+        <p14:creationId xmlns:p14="http://schemas.microsoft.com/office/powerpoint/2010/main" val="661209559"/>
+      </p:ext>
+    </p:extLst>
+  </p:cSld>
+  <p:clrMapOvr>
+    <a:masterClrMapping/>
+  </p:clrMapOvr>
+  <mc:AlternateContent xmlns:mc="http://schemas.openxmlformats.org/markup-compatibility/2006" xmlns:p14="http://schemas.microsoft.com/office/powerpoint/2010/main">
+    <mc:Choice Requires="p14">
+      <p:transition p14:dur="300">
+        <p:fade/>
+      </p:transition>
+    </mc:Choice>
+    <mc:Fallback xmlns="">
+      <p:transition>
+        <p:fade/>
+      </p:transition>
+    </mc:Fallback>
+  </mc:AlternateContent>
+</p:sld>
+</file>
+
+<file path=ppt/slides/slide13.xml><?xml version="1.0" encoding="utf-8"?>
+<p:sld xmlns:a="http://schemas.openxmlformats.org/drawingml/2006/main" xmlns:r="http://schemas.openxmlformats.org/officeDocument/2006/relationships" xmlns:p="http://schemas.openxmlformats.org/presentationml/2006/main" show="0">
+  <p:cSld>
+    <p:spTree>
+      <p:nvGrpSpPr>
+        <p:cNvPr id="1" name=""/>
+        <p:cNvGrpSpPr/>
+        <p:nvPr/>
+      </p:nvGrpSpPr>
+      <p:grpSpPr>
+        <a:xfrm>
+          <a:off x="0" y="0"/>
+          <a:ext cx="0" cy="0"/>
+          <a:chOff x="0" y="0"/>
+          <a:chExt cx="0" cy="0"/>
+        </a:xfrm>
+      </p:grpSpPr>
+      <p:sp>
+        <p:nvSpPr>
+          <p:cNvPr id="4" name="Title 3">
+            <a:extLst>
+              <a:ext uri="{FF2B5EF4-FFF2-40B4-BE49-F238E27FC236}">
+                <a16:creationId xmlns:a16="http://schemas.microsoft.com/office/drawing/2014/main" id="{1693C976-7EB3-F043-AAD4-7668F926D644}"/>
+              </a:ext>
+            </a:extLst>
+          </p:cNvPr>
+          <p:cNvSpPr>
+            <a:spLocks noGrp="1"/>
+          </p:cNvSpPr>
+          <p:nvPr>
+            <p:ph type="title"/>
+          </p:nvPr>
+        </p:nvSpPr>
+        <p:spPr/>
+        <p:txBody>
+          <a:bodyPr/>
+          <a:lstStyle/>
+          <a:p>
+            <a:r>
+              <a:rPr lang="en-US" dirty="0"/>
+              <a:t>Review</a:t>
+            </a:r>
+          </a:p>
+        </p:txBody>
+      </p:sp>
+      <p:sp>
+        <p:nvSpPr>
+          <p:cNvPr id="5" name="Text Placeholder 4">
+            <a:extLst>
+              <a:ext uri="{FF2B5EF4-FFF2-40B4-BE49-F238E27FC236}">
+                <a16:creationId xmlns:a16="http://schemas.microsoft.com/office/drawing/2014/main" id="{B705D690-F50D-BD48-B842-6D9187481A6C}"/>
+              </a:ext>
+            </a:extLst>
+          </p:cNvPr>
+          <p:cNvSpPr>
+            <a:spLocks noGrp="1"/>
+          </p:cNvSpPr>
+          <p:nvPr>
+            <p:ph type="body" sz="quarter" idx="10"/>
+          </p:nvPr>
+        </p:nvSpPr>
+        <p:spPr>
+          <a:xfrm>
+            <a:off x="628075" y="1776683"/>
+            <a:ext cx="12561453" cy="4209422"/>
+          </a:xfrm>
+        </p:spPr>
+        <p:txBody>
+          <a:bodyPr/>
+          <a:lstStyle/>
+          <a:p>
+            <a:r>
+              <a:rPr lang="en-US" dirty="0"/>
+              <a:t>Recursion </a:t>
+            </a:r>
+          </a:p>
+          <a:p>
+            <a:pPr lvl="1"/>
+            <a:r>
+              <a:rPr lang="en-US" dirty="0"/>
+              <a:t>A way to loop via method calls</a:t>
+            </a:r>
+          </a:p>
+          <a:p>
+            <a:pPr lvl="1"/>
+            <a:r>
+              <a:rPr lang="en-US" dirty="0"/>
+              <a:t>Good at:</a:t>
+            </a:r>
+          </a:p>
+          <a:p>
+            <a:pPr lvl="2"/>
+            <a:r>
+              <a:rPr lang="en-US" dirty="0"/>
+              <a:t>building sequences </a:t>
+            </a:r>
+          </a:p>
+          <a:p>
+            <a:pPr lvl="2"/>
+            <a:r>
+              <a:rPr lang="en-US" dirty="0"/>
+              <a:t>breakdown complex iteration to simple methods</a:t>
+            </a:r>
+          </a:p>
+          <a:p>
+            <a:pPr lvl="1"/>
+            <a:r>
+              <a:rPr lang="en-US" dirty="0"/>
+              <a:t>Divide-Conquer-Glue</a:t>
+            </a:r>
+          </a:p>
+          <a:p>
+            <a:pPr lvl="2"/>
+            <a:r>
+              <a:rPr lang="en-US" dirty="0"/>
+              <a:t>Solve Base/ Simplest case first</a:t>
+            </a:r>
+          </a:p>
+          <a:p>
+            <a:pPr lvl="2"/>
+            <a:r>
+              <a:rPr lang="en-US" dirty="0"/>
+              <a:t>Build the N=2+ case next</a:t>
+            </a:r>
+          </a:p>
+          <a:p>
+            <a:pPr lvl="1"/>
+            <a:r>
+              <a:rPr lang="en-US" dirty="0"/>
+              <a:t>Tail Recursion</a:t>
+            </a:r>
+          </a:p>
+          <a:p>
+            <a:pPr lvl="2"/>
+            <a:r>
+              <a:rPr lang="en-US" dirty="0"/>
+              <a:t>Store values as part of the parameters</a:t>
+            </a:r>
+          </a:p>
+          <a:p>
+            <a:pPr lvl="2"/>
+            <a:r>
+              <a:rPr lang="en-US" dirty="0"/>
+              <a:t>Make use of default parameters to make this easier! </a:t>
+            </a:r>
+          </a:p>
+        </p:txBody>
+      </p:sp>
+    </p:spTree>
+    <p:extLst>
+      <p:ext uri="{BB962C8B-B14F-4D97-AF65-F5344CB8AC3E}">
+        <p14:creationId xmlns:p14="http://schemas.microsoft.com/office/powerpoint/2010/main" val="2225258926"/>
+      </p:ext>
+    </p:extLst>
+  </p:cSld>
+  <p:clrMapOvr>
+    <a:masterClrMapping/>
+  </p:clrMapOvr>
+  <mc:AlternateContent xmlns:mc="http://schemas.openxmlformats.org/markup-compatibility/2006" xmlns:p14="http://schemas.microsoft.com/office/powerpoint/2010/main">
+    <mc:Choice Requires="p14">
+      <p:transition p14:dur="300">
+        <p:fade/>
+      </p:transition>
+    </mc:Choice>
+    <mc:Fallback xmlns="">
+      <p:transition>
+        <p:fade/>
+      </p:transition>
+    </mc:Fallback>
+  </mc:AlternateContent>
+</p:sld>
+</file>
+
 <file path=ppt/slides/slide14.xml><?xml version="1.0" encoding="utf-8"?>
+<p:sld xmlns:a="http://schemas.openxmlformats.org/drawingml/2006/main" xmlns:r="http://schemas.openxmlformats.org/officeDocument/2006/relationships" xmlns:p="http://schemas.openxmlformats.org/presentationml/2006/main" show="0">
+  <p:cSld>
+    <p:spTree>
+      <p:nvGrpSpPr>
+        <p:cNvPr id="1" name=""/>
+        <p:cNvGrpSpPr/>
+        <p:nvPr/>
+      </p:nvGrpSpPr>
+      <p:grpSpPr>
+        <a:xfrm>
+          <a:off x="0" y="0"/>
+          <a:ext cx="0" cy="0"/>
+          <a:chOff x="0" y="0"/>
+          <a:chExt cx="0" cy="0"/>
+        </a:xfrm>
+      </p:grpSpPr>
+      <p:sp>
+        <p:nvSpPr>
+          <p:cNvPr id="2" name="Title 1">
+            <a:extLst>
+              <a:ext uri="{FF2B5EF4-FFF2-40B4-BE49-F238E27FC236}">
+                <a16:creationId xmlns:a16="http://schemas.microsoft.com/office/drawing/2014/main" id="{CA90500F-48F0-C54D-83B1-22861D22CE74}"/>
+              </a:ext>
+            </a:extLst>
+          </p:cNvPr>
+          <p:cNvSpPr>
+            <a:spLocks noGrp="1"/>
+          </p:cNvSpPr>
+          <p:nvPr>
+            <p:ph type="title"/>
+          </p:nvPr>
+        </p:nvSpPr>
+        <p:spPr/>
+        <p:txBody>
+          <a:bodyPr/>
+          <a:lstStyle/>
+          <a:p>
+            <a:r>
+              <a:rPr lang="en-US" dirty="0"/>
+              <a:t>Using Recursion To Simplify</a:t>
+            </a:r>
+          </a:p>
+        </p:txBody>
+      </p:sp>
+      <p:sp>
+        <p:nvSpPr>
+          <p:cNvPr id="3" name="Text Placeholder 2">
+            <a:extLst>
+              <a:ext uri="{FF2B5EF4-FFF2-40B4-BE49-F238E27FC236}">
+                <a16:creationId xmlns:a16="http://schemas.microsoft.com/office/drawing/2014/main" id="{FD63AD68-8C00-AA4A-A1D1-B00D45F6D5BF}"/>
+              </a:ext>
+            </a:extLst>
+          </p:cNvPr>
+          <p:cNvSpPr>
+            <a:spLocks noGrp="1"/>
+          </p:cNvSpPr>
+          <p:nvPr>
+            <p:ph type="body" sz="quarter" idx="10"/>
+          </p:nvPr>
+        </p:nvSpPr>
+        <p:spPr>
+          <a:xfrm>
+            <a:off x="628076" y="1776683"/>
+            <a:ext cx="5479214" cy="2461251"/>
+          </a:xfrm>
+        </p:spPr>
+        <p:txBody>
+          <a:bodyPr/>
+          <a:lstStyle/>
+          <a:p>
+            <a:r>
+              <a:rPr lang="en-US" dirty="0"/>
+              <a:t>How would you use a loop if you wanted to?</a:t>
+            </a:r>
+          </a:p>
+          <a:p>
+            <a:pPr lvl="1"/>
+            <a:r>
+              <a:rPr lang="en-US" dirty="0"/>
+              <a:t>Break up the list into thirds</a:t>
+            </a:r>
+          </a:p>
+          <a:p>
+            <a:pPr lvl="1"/>
+            <a:r>
+              <a:rPr lang="en-US" dirty="0"/>
+              <a:t>Based on an input, look at the top third</a:t>
+            </a:r>
+          </a:p>
+          <a:p>
+            <a:pPr lvl="1"/>
+            <a:r>
+              <a:rPr lang="en-US" dirty="0"/>
+              <a:t>Break up the list again, repeat?</a:t>
+            </a:r>
+          </a:p>
+          <a:p>
+            <a:r>
+              <a:rPr lang="en-US" dirty="0"/>
+              <a:t>Pretty complex as a loop! </a:t>
+            </a:r>
+          </a:p>
+          <a:p>
+            <a:pPr lvl="1"/>
+            <a:r>
+              <a:rPr lang="en-US" dirty="0"/>
+              <a:t>but what about recursively?</a:t>
+            </a:r>
+          </a:p>
+        </p:txBody>
+      </p:sp>
+    </p:spTree>
+    <p:extLst>
+      <p:ext uri="{BB962C8B-B14F-4D97-AF65-F5344CB8AC3E}">
+        <p14:creationId xmlns:p14="http://schemas.microsoft.com/office/powerpoint/2010/main" val="1892109128"/>
+      </p:ext>
+    </p:extLst>
+  </p:cSld>
+  <p:clrMapOvr>
+    <a:masterClrMapping/>
+  </p:clrMapOvr>
+  <mc:AlternateContent xmlns:mc="http://schemas.openxmlformats.org/markup-compatibility/2006" xmlns:p14="http://schemas.microsoft.com/office/powerpoint/2010/main">
+    <mc:Choice Requires="p14">
+      <p:transition p14:dur="300">
+        <p:fade/>
+      </p:transition>
+    </mc:Choice>
+    <mc:Fallback xmlns="">
+      <p:transition>
+        <p:fade/>
+      </p:transition>
+    </mc:Fallback>
+  </mc:AlternateContent>
+</p:sld>
+</file>
+
+<file path=ppt/slides/slide15.xml><?xml version="1.0" encoding="utf-8"?>
 <p:sld xmlns:a="http://schemas.openxmlformats.org/drawingml/2006/main" xmlns:r="http://schemas.openxmlformats.org/officeDocument/2006/relationships" xmlns:p="http://schemas.openxmlformats.org/presentationml/2006/main" show="0">
   <p:cSld>
     <p:spTree>
@@ -12266,13 +12367,13 @@
   <p:clrMapOvr>
     <a:masterClrMapping/>
   </p:clrMapOvr>
-  <mc:AlternateContent xmlns:mc="http://schemas.openxmlformats.org/markup-compatibility/2006">
-    <mc:Choice xmlns:p14="http://schemas.microsoft.com/office/powerpoint/2010/main" Requires="p14">
+  <mc:AlternateContent xmlns:mc="http://schemas.openxmlformats.org/markup-compatibility/2006" xmlns:p14="http://schemas.microsoft.com/office/powerpoint/2010/main">
+    <mc:Choice Requires="p14">
       <p:transition p14:dur="300">
         <p:fade/>
       </p:transition>
     </mc:Choice>
-    <mc:Fallback>
+    <mc:Fallback xmlns="">
       <p:transition>
         <p:fade/>
       </p:transition>
@@ -12407,6 +12508,21 @@
             <a:pPr lvl="1"/>
             <a:endParaRPr lang="en-US" dirty="0"/>
           </a:p>
+          <a:p>
+            <a:pPr lvl="1"/>
+            <a:r>
+              <a:rPr lang="en-US" dirty="0"/>
+              <a:t>HELP DESK CLOSED – during break. Opens again Sunday the 29</a:t>
+            </a:r>
+            <a:r>
+              <a:rPr lang="en-US" baseline="30000" dirty="0"/>
+              <a:t>th</a:t>
+            </a:r>
+            <a:r>
+              <a:rPr lang="en-US" dirty="0"/>
+              <a:t>.</a:t>
+            </a:r>
+          </a:p>
         </p:txBody>
       </p:sp>
       <p:sp>
@@ -12559,7 +12675,7 @@
         <p:spPr>
           <a:xfrm>
             <a:off x="7228114" y="362857"/>
-            <a:ext cx="6125029" cy="1015663"/>
+            <a:ext cx="6125029" cy="707886"/>
           </a:xfrm>
           <a:prstGeom prst="rect">
             <a:avLst/>
@@ -12582,7 +12698,7 @@
           <a:p>
             <a:r>
               <a:rPr lang="en-US" dirty="0"/>
-              <a:t>Do you use social media? If so, how much is your data worth to them?</a:t>
+              <a:t>Do you know the difference between http and https?</a:t>
             </a:r>
           </a:p>
         </p:txBody>
@@ -13292,7 +13408,7 @@
           <a:lstStyle/>
           <a:p>
             <a:r>
-              <a:rPr lang="en" sz="1209">
+              <a:rPr lang="en" sz="1209" dirty="0">
                 <a:latin typeface="Proxima Nova"/>
                 <a:ea typeface="Proxima Nova"/>
                 <a:cs typeface="Proxima Nova"/>
@@ -13301,7 +13417,7 @@
               <a:t>Further Reading: </a:t>
             </a:r>
             <a:r>
-              <a:rPr lang="en" sz="1209" u="sng">
+              <a:rPr lang="en" sz="1209" u="sng" dirty="0">
                 <a:solidFill>
                   <a:schemeClr val="hlink"/>
                 </a:solidFill>
@@ -13310,7 +13426,7 @@
               <a:t>https://en.wikipedia.org/wiki/Transport_Layer_Security</a:t>
             </a:r>
             <a:br>
-              <a:rPr lang="en" sz="1209">
+              <a:rPr lang="en" sz="1209" dirty="0">
                 <a:latin typeface="Proxima Nova"/>
                 <a:ea typeface="Proxima Nova"/>
                 <a:cs typeface="Proxima Nova"/>
@@ -13318,7 +13434,7 @@
               </a:rPr>
             </a:br>
             <a:r>
-              <a:rPr lang="en" sz="1209" u="sng">
+              <a:rPr lang="en" sz="1209" u="sng" dirty="0">
                 <a:solidFill>
                   <a:schemeClr val="hlink"/>
                 </a:solidFill>
@@ -13330,7 +13446,7 @@
               </a:rPr>
               <a:t>https://spreadprivacy.com/what-do-security-certificates-do/</a:t>
             </a:r>
-            <a:endParaRPr sz="1209">
+            <a:endParaRPr sz="1209" dirty="0">
               <a:latin typeface="Proxima Nova"/>
               <a:ea typeface="Proxima Nova"/>
               <a:cs typeface="Proxima Nova"/>
@@ -13339,14 +13455,14 @@
           </a:p>
           <a:p>
             <a:br>
-              <a:rPr lang="en" sz="1209">
+              <a:rPr lang="en" sz="1209" dirty="0">
                 <a:latin typeface="Proxima Nova"/>
                 <a:ea typeface="Proxima Nova"/>
                 <a:cs typeface="Proxima Nova"/>
                 <a:sym typeface="Proxima Nova"/>
               </a:rPr>
             </a:br>
-            <a:endParaRPr sz="1209">
+            <a:endParaRPr sz="1209" dirty="0">
               <a:latin typeface="Proxima Nova"/>
               <a:ea typeface="Proxima Nova"/>
               <a:cs typeface="Proxima Nova"/>
@@ -14389,7 +14505,7 @@
           <a:p>
             <a:r>
               <a:rPr lang="en" dirty="0"/>
-              <a:t>And how would we make it so *only* our friend can open the file?</a:t>
+              <a:t>And how would we make it so *only* your friend can open the file?</a:t>
             </a:r>
             <a:endParaRPr dirty="0"/>
           </a:p>
@@ -14558,7 +14674,7 @@
 </file>
 
 <file path=ppt/slides/slide9.xml><?xml version="1.0" encoding="utf-8"?>
-<p:sld xmlns:a="http://schemas.openxmlformats.org/drawingml/2006/main" xmlns:r="http://schemas.openxmlformats.org/officeDocument/2006/relationships" xmlns:p="http://schemas.openxmlformats.org/presentationml/2006/main" show="0">
+<p:sld xmlns:a="http://schemas.openxmlformats.org/drawingml/2006/main" xmlns:r="http://schemas.openxmlformats.org/officeDocument/2006/relationships" xmlns:p="http://schemas.openxmlformats.org/presentationml/2006/main">
   <p:cSld>
     <p:spTree>
       <p:nvGrpSpPr>
@@ -14579,7 +14695,7 @@
           <p:cNvPr id="2" name="Title 1">
             <a:extLst>
               <a:ext uri="{FF2B5EF4-FFF2-40B4-BE49-F238E27FC236}">
-                <a16:creationId xmlns:a16="http://schemas.microsoft.com/office/drawing/2014/main" id="{F8443DA5-CF80-42BC-AFB9-0B84D09A072A}"/>
+                <a16:creationId xmlns:a16="http://schemas.microsoft.com/office/drawing/2014/main" id="{4249BAC6-D87C-4C1F-9464-7EB1CD00A9E5}"/>
               </a:ext>
             </a:extLst>
           </p:cNvPr>
@@ -14590,29 +14706,24 @@
             <p:ph type="title"/>
           </p:nvPr>
         </p:nvSpPr>
-        <p:spPr>
-          <a:xfrm>
-            <a:off x="3445328" y="2799373"/>
-            <a:ext cx="9744199" cy="1015663"/>
-          </a:xfrm>
-        </p:spPr>
+        <p:spPr/>
         <p:txBody>
           <a:bodyPr/>
           <a:lstStyle/>
           <a:p>
             <a:r>
               <a:rPr lang="en-US" dirty="0"/>
-              <a:t>More Recursion </a:t>
+              <a:t>Algorithms in CS</a:t>
             </a:r>
           </a:p>
         </p:txBody>
       </p:sp>
       <p:sp>
         <p:nvSpPr>
-          <p:cNvPr id="4" name="Text Placeholder 3">
+          <p:cNvPr id="3" name="Text Placeholder 2">
             <a:extLst>
               <a:ext uri="{FF2B5EF4-FFF2-40B4-BE49-F238E27FC236}">
-                <a16:creationId xmlns:a16="http://schemas.microsoft.com/office/drawing/2014/main" id="{36830EDF-82C3-4D4E-8F52-61F2DB42DA11}"/>
+                <a16:creationId xmlns:a16="http://schemas.microsoft.com/office/drawing/2014/main" id="{74092A47-87F4-4AB4-B692-36269EB545AD}"/>
               </a:ext>
             </a:extLst>
           </p:cNvPr>
@@ -14620,7 +14731,7 @@
             <a:spLocks noGrp="1"/>
           </p:cNvSpPr>
           <p:nvPr>
-            <p:ph type="body" sz="quarter" idx="10"/>
+            <p:ph type="body" idx="1"/>
           </p:nvPr>
         </p:nvSpPr>
         <p:spPr/>
@@ -14628,32 +14739,58 @@
           <a:bodyPr/>
           <a:lstStyle/>
           <a:p>
-            <a:endParaRPr lang="en-US" dirty="0"/>
+            <a:r>
+              <a:rPr lang="en-US" dirty="0"/>
+              <a:t>Linked List</a:t>
+            </a:r>
+          </a:p>
+          <a:p>
+            <a:pPr lvl="1"/>
+            <a:r>
+              <a:rPr lang="en-US" dirty="0"/>
+              <a:t>Will help us understand block chain after break</a:t>
+            </a:r>
+          </a:p>
+          <a:p>
+            <a:r>
+              <a:rPr lang="en-US" dirty="0"/>
+              <a:t>Sorting</a:t>
+            </a:r>
+          </a:p>
+          <a:p>
+            <a:r>
+              <a:rPr lang="en-US" dirty="0"/>
+              <a:t>Binary Search</a:t>
+            </a:r>
+          </a:p>
+          <a:p>
+            <a:r>
+              <a:rPr lang="en-US" dirty="0"/>
+              <a:t>Let’s form five mostly equally distributed lines </a:t>
+            </a:r>
+          </a:p>
+          <a:p>
+            <a:pPr lvl="1"/>
+            <a:r>
+              <a:rPr lang="en-US" dirty="0"/>
+              <a:t>Yes, stand up – one line on the stage</a:t>
+            </a:r>
           </a:p>
         </p:txBody>
       </p:sp>
     </p:spTree>
     <p:extLst>
       <p:ext uri="{BB962C8B-B14F-4D97-AF65-F5344CB8AC3E}">
-        <p14:creationId xmlns:p14="http://schemas.microsoft.com/office/powerpoint/2010/main" val="661209559"/>
+        <p14:creationId xmlns:p14="http://schemas.microsoft.com/office/powerpoint/2010/main" val="3786381831"/>
       </p:ext>
     </p:extLst>
   </p:cSld>
   <p:clrMapOvr>
     <a:masterClrMapping/>
   </p:clrMapOvr>
-  <mc:AlternateContent xmlns:mc="http://schemas.openxmlformats.org/markup-compatibility/2006">
-    <mc:Choice xmlns:p14="http://schemas.microsoft.com/office/powerpoint/2010/main" Requires="p14">
-      <p:transition p14:dur="300">
-        <p:fade/>
-      </p:transition>
-    </mc:Choice>
-    <mc:Fallback>
-      <p:transition>
-        <p:fade/>
-      </p:transition>
-    </mc:Fallback>
-  </mc:AlternateContent>
+  <p:transition>
+    <p:fade/>
+  </p:transition>
 </p:sld>
 </file>
 

--- a/Slides/On-Campus/13_02_Encryption_MoreRecursion.pptx
+++ b/Slides/On-Campus/13_02_Encryption_MoreRecursion.pptx
@@ -228,7 +228,7 @@
           <a:p>
             <a:fld id="{4D7E51A5-B478-1E40-8CBB-0DAA8831E99D}" type="datetimeFigureOut">
               <a:rPr lang="en-US" smtClean="0"/>
-              <a:t>11/18/2021</a:t>
+              <a:t>11/18/21</a:t>
             </a:fld>
             <a:endParaRPr lang="en-US"/>
           </a:p>
@@ -393,7 +393,7 @@
           <a:p>
             <a:fld id="{D0ED587F-861E-6740-9643-E3DDAE89B8D6}" type="datetimeFigureOut">
               <a:rPr lang="en-US" smtClean="0"/>
-              <a:t>11/18/2021</a:t>
+              <a:t>11/18/21</a:t>
             </a:fld>
             <a:endParaRPr lang="en-US"/>
           </a:p>
@@ -9891,13 +9891,13 @@
   <p:clrMapOvr>
     <a:masterClrMapping/>
   </p:clrMapOvr>
-  <mc:AlternateContent xmlns:mc="http://schemas.openxmlformats.org/markup-compatibility/2006">
-    <mc:Choice xmlns:p14="http://schemas.microsoft.com/office/powerpoint/2010/main" Requires="p14">
+  <mc:AlternateContent xmlns:mc="http://schemas.openxmlformats.org/markup-compatibility/2006" xmlns:p14="http://schemas.microsoft.com/office/powerpoint/2010/main">
+    <mc:Choice Requires="p14">
       <p:transition p14:dur="300">
         <p:fade/>
       </p:transition>
     </mc:Choice>
-    <mc:Fallback>
+    <mc:Fallback xmlns="">
       <p:transition>
         <p:fade/>
       </p:transition>
@@ -9907,7 +9907,7 @@
 </file>
 
 <file path=ppt/slides/slide11.xml><?xml version="1.0" encoding="utf-8"?>
-<p:sld xmlns:a="http://schemas.openxmlformats.org/drawingml/2006/main" xmlns:r="http://schemas.openxmlformats.org/officeDocument/2006/relationships" xmlns:p="http://schemas.openxmlformats.org/presentationml/2006/main" show="0">
+<p:sld xmlns:a="http://schemas.openxmlformats.org/drawingml/2006/main" xmlns:r="http://schemas.openxmlformats.org/officeDocument/2006/relationships" xmlns:p="http://schemas.openxmlformats.org/presentationml/2006/main">
   <p:cSld>
     <p:spTree>
       <p:nvGrpSpPr>
@@ -11273,13 +11273,13 @@
   <p:clrMapOvr>
     <a:masterClrMapping/>
   </p:clrMapOvr>
-  <mc:AlternateContent xmlns:mc="http://schemas.openxmlformats.org/markup-compatibility/2006" xmlns:p14="http://schemas.microsoft.com/office/powerpoint/2010/main">
-    <mc:Choice Requires="p14">
+  <mc:AlternateContent xmlns:mc="http://schemas.openxmlformats.org/markup-compatibility/2006">
+    <mc:Choice xmlns:p14="http://schemas.microsoft.com/office/powerpoint/2010/main" Requires="p14">
       <p:transition p14:dur="300">
         <p:fade/>
       </p:transition>
     </mc:Choice>
-    <mc:Fallback xmlns="">
+    <mc:Fallback>
       <p:transition>
         <p:fade/>
       </p:transition>
